--- a/1º Semestre/Checkpoint 01/Edge Computing - CP01.pptx
+++ b/1º Semestre/Checkpoint 01/Edge Computing - CP01.pptx
@@ -14,7 +14,7 @@
     <p:sldId id="400" r:id="rId5"/>
     <p:sldId id="825" r:id="rId6"/>
     <p:sldId id="826" r:id="rId7"/>
-    <p:sldId id="827" r:id="rId8"/>
+    <p:sldId id="829" r:id="rId8"/>
     <p:sldId id="815" r:id="rId9"/>
     <p:sldId id="828" r:id="rId10"/>
     <p:sldId id="812" r:id="rId11"/>
@@ -218,7 +218,7 @@
             <a:fld id="{4EA5E1ED-E65E-440E-8A4B-5F5DC973F797}" type="datetimeFigureOut">
               <a:rPr lang="pt-BR" smtClean="0"/>
               <a:pPr/>
-              <a:t>20/03/2023</a:t>
+              <a:t>04/09/2023</a:t>
             </a:fld>
             <a:endParaRPr lang="pt-BR"/>
           </a:p>
@@ -635,7 +635,7 @@
           <a:p>
             <a:fld id="{1787AD07-0C2A-424C-83EF-FCCF4A0D3BA0}" type="datetime1">
               <a:rPr lang="pt-BR" smtClean="0"/>
-              <a:t>20/03/2023</a:t>
+              <a:t>04/09/2023</a:t>
             </a:fld>
             <a:endParaRPr lang="pt-BR"/>
           </a:p>
@@ -804,7 +804,7 @@
           <a:p>
             <a:fld id="{2F92FB66-59C8-46A5-AD82-5DAAFD2DC390}" type="datetime1">
               <a:rPr lang="pt-BR" smtClean="0"/>
-              <a:t>20/03/2023</a:t>
+              <a:t>04/09/2023</a:t>
             </a:fld>
             <a:endParaRPr lang="pt-BR"/>
           </a:p>
@@ -983,7 +983,7 @@
           <a:p>
             <a:fld id="{3D5CC8D2-C61E-4471-AD68-1C0D45A8EAFC}" type="datetime1">
               <a:rPr lang="pt-BR" smtClean="0"/>
-              <a:t>20/03/2023</a:t>
+              <a:t>04/09/2023</a:t>
             </a:fld>
             <a:endParaRPr lang="pt-BR"/>
           </a:p>
@@ -1126,7 +1126,7 @@
           <a:p>
             <a:fld id="{C3E38981-C08A-4A29-B885-392FB4EE0709}" type="datetime1">
               <a:rPr lang="pt-BR" smtClean="0"/>
-              <a:t>20/03/2023</a:t>
+              <a:t>04/09/2023</a:t>
             </a:fld>
             <a:endParaRPr lang="en-US" dirty="0"/>
           </a:p>
@@ -1511,7 +1511,7 @@
           <a:p>
             <a:fld id="{2CFE63D7-5B4A-40A4-8FD4-EA63D1010EB7}" type="datetime1">
               <a:rPr lang="pt-BR" smtClean="0"/>
-              <a:t>20/03/2023</a:t>
+              <a:t>04/09/2023</a:t>
             </a:fld>
             <a:endParaRPr lang="en-US" dirty="0"/>
           </a:p>
@@ -1733,7 +1733,7 @@
           <a:p>
             <a:fld id="{A9719147-5557-4D76-A2C3-BF25882771D2}" type="datetime1">
               <a:rPr lang="pt-BR" smtClean="0"/>
-              <a:t>20/03/2023</a:t>
+              <a:t>04/09/2023</a:t>
             </a:fld>
             <a:endParaRPr lang="en-US" dirty="0"/>
           </a:p>
@@ -2046,7 +2046,7 @@
           <a:p>
             <a:fld id="{66250340-7104-44A8-88A9-88532CCE9C1C}" type="datetime1">
               <a:rPr lang="pt-BR" smtClean="0"/>
-              <a:t>20/03/2023</a:t>
+              <a:t>04/09/2023</a:t>
             </a:fld>
             <a:endParaRPr lang="en-US" dirty="0"/>
           </a:p>
@@ -2231,7 +2231,7 @@
           <a:p>
             <a:fld id="{D047EA32-7810-48BE-A9BB-EA3D8AA5AD34}" type="datetime1">
               <a:rPr lang="pt-BR" smtClean="0"/>
-              <a:t>20/03/2023</a:t>
+              <a:t>04/09/2023</a:t>
             </a:fld>
             <a:endParaRPr lang="en-US" dirty="0"/>
           </a:p>
@@ -2379,7 +2379,7 @@
           <a:p>
             <a:fld id="{7C28E9E9-B91F-400E-BE43-87BB4B5C6F4E}" type="datetime1">
               <a:rPr lang="pt-BR" smtClean="0"/>
-              <a:t>20/03/2023</a:t>
+              <a:t>04/09/2023</a:t>
             </a:fld>
             <a:endParaRPr lang="en-US" dirty="0"/>
           </a:p>
@@ -2631,7 +2631,7 @@
           <a:p>
             <a:fld id="{A9E773EA-BFD5-41D4-8CCD-2C9F67DAB481}" type="datetime1">
               <a:rPr lang="pt-BR" smtClean="0"/>
-              <a:t>20/03/2023</a:t>
+              <a:t>04/09/2023</a:t>
             </a:fld>
             <a:endParaRPr lang="pt-BR" dirty="0"/>
           </a:p>
@@ -2833,7 +2833,7 @@
           <a:p>
             <a:fld id="{DAA7C8B6-CF57-4A95-AF6C-A77E6C230ED3}" type="datetime1">
               <a:rPr lang="pt-BR" smtClean="0"/>
-              <a:t>20/03/2023</a:t>
+              <a:t>04/09/2023</a:t>
             </a:fld>
             <a:endParaRPr lang="pt-BR"/>
           </a:p>
@@ -3117,7 +3117,7 @@
           <a:p>
             <a:fld id="{34D50989-24C8-4023-9B0D-A6D249548FD9}" type="datetime1">
               <a:rPr lang="pt-BR" smtClean="0"/>
-              <a:t>20/03/2023</a:t>
+              <a:t>04/09/2023</a:t>
             </a:fld>
             <a:endParaRPr lang="pt-BR"/>
           </a:p>
@@ -3353,7 +3353,7 @@
           <a:p>
             <a:fld id="{8D9BC96A-9776-4585-A439-BC9E2DA226C1}" type="datetime1">
               <a:rPr lang="pt-BR" smtClean="0"/>
-              <a:t>20/03/2023</a:t>
+              <a:t>04/09/2023</a:t>
             </a:fld>
             <a:endParaRPr lang="pt-BR"/>
           </a:p>
@@ -3736,7 +3736,7 @@
           <a:p>
             <a:fld id="{7D12BE36-2922-4567-BD67-201EFA21BF6D}" type="datetime1">
               <a:rPr lang="pt-BR" smtClean="0"/>
-              <a:t>20/03/2023</a:t>
+              <a:t>04/09/2023</a:t>
             </a:fld>
             <a:endParaRPr lang="pt-BR"/>
           </a:p>
@@ -3848,7 +3848,7 @@
           <a:p>
             <a:fld id="{E5B462A9-4B1E-4013-BFB1-FC92225AC2F2}" type="datetime1">
               <a:rPr lang="pt-BR" smtClean="0"/>
-              <a:t>20/03/2023</a:t>
+              <a:t>04/09/2023</a:t>
             </a:fld>
             <a:endParaRPr lang="pt-BR"/>
           </a:p>
@@ -3932,7 +3932,7 @@
           <a:p>
             <a:fld id="{D0E6EC7A-67E7-4978-9BAE-C8F82A40B13B}" type="datetime1">
               <a:rPr lang="pt-BR" smtClean="0"/>
-              <a:t>20/03/2023</a:t>
+              <a:t>04/09/2023</a:t>
             </a:fld>
             <a:endParaRPr lang="pt-BR"/>
           </a:p>
@@ -4214,7 +4214,7 @@
           <a:p>
             <a:fld id="{6E085A4E-80B8-47DD-9D9B-8E1B205CBB30}" type="datetime1">
               <a:rPr lang="pt-BR" smtClean="0"/>
-              <a:t>20/03/2023</a:t>
+              <a:t>04/09/2023</a:t>
             </a:fld>
             <a:endParaRPr lang="pt-BR"/>
           </a:p>
@@ -4473,7 +4473,7 @@
           <a:p>
             <a:fld id="{F4E9A02C-D9AD-4B8C-9B93-B0980E8E86EB}" type="datetime1">
               <a:rPr lang="pt-BR" smtClean="0"/>
-              <a:t>20/03/2023</a:t>
+              <a:t>04/09/2023</a:t>
             </a:fld>
             <a:endParaRPr lang="pt-BR"/>
           </a:p>
@@ -4685,7 +4685,7 @@
           <a:p>
             <a:fld id="{202762D0-3A59-4B14-83BA-8E0FC8A60AB1}" type="datetime1">
               <a:rPr lang="pt-BR" smtClean="0"/>
-              <a:t>20/03/2023</a:t>
+              <a:t>04/09/2023</a:t>
             </a:fld>
             <a:endParaRPr lang="pt-BR"/>
           </a:p>
@@ -8141,10 +8141,10 @@
       </p:grpSpPr>
       <p:sp>
         <p:nvSpPr>
-          <p:cNvPr id="2" name="TextBox 6">
+          <p:cNvPr id="9" name="TextBox 6">
             <a:extLst>
               <a:ext uri="{FF2B5EF4-FFF2-40B4-BE49-F238E27FC236}">
-                <a16:creationId xmlns:a16="http://schemas.microsoft.com/office/drawing/2014/main" id="{C0D41A67-6D24-3E91-D51F-A72C7A2BEB24}"/>
+                <a16:creationId xmlns:a16="http://schemas.microsoft.com/office/drawing/2014/main" id="{225765AD-71F7-DC36-6CE8-E9873BEE1F3F}"/>
               </a:ext>
             </a:extLst>
           </p:cNvPr>
@@ -8175,348 +8175,1694 @@
                 <a:latin typeface="Gotham HTF" pitchFamily="50" charset="0"/>
                 <a:cs typeface="Gotham HTF Light"/>
               </a:rPr>
-              <a:t>Entregas do Projeto</a:t>
+              <a:t>Avaliação</a:t>
             </a:r>
           </a:p>
         </p:txBody>
       </p:sp>
       <p:sp>
         <p:nvSpPr>
-          <p:cNvPr id="3" name="Espaço Reservado para Conteúdo 6">
+          <p:cNvPr id="2" name="CaixaDeTexto 1">
             <a:extLst>
               <a:ext uri="{FF2B5EF4-FFF2-40B4-BE49-F238E27FC236}">
-                <a16:creationId xmlns:a16="http://schemas.microsoft.com/office/drawing/2014/main" id="{EA75D3A9-C1BC-8254-7ED7-38D17E562260}"/>
+                <a16:creationId xmlns:a16="http://schemas.microsoft.com/office/drawing/2014/main" id="{796C8AA8-C3FA-2B50-C01C-439554D2CA64}"/>
               </a:ext>
             </a:extLst>
           </p:cNvPr>
-          <p:cNvSpPr txBox="1">
-            <a:spLocks/>
-          </p:cNvSpPr>
+          <p:cNvSpPr txBox="1"/>
           <p:nvPr/>
         </p:nvSpPr>
         <p:spPr>
           <a:xfrm>
-            <a:off x="323528" y="940635"/>
-            <a:ext cx="8280920" cy="4976730"/>
+            <a:off x="611560" y="912958"/>
+            <a:ext cx="8280920" cy="4532266"/>
           </a:xfrm>
           <a:prstGeom prst="rect">
             <a:avLst/>
           </a:prstGeom>
+          <a:noFill/>
         </p:spPr>
         <p:txBody>
-          <a:bodyPr>
-            <a:noAutofit/>
+          <a:bodyPr wrap="square">
+            <a:spAutoFit/>
           </a:bodyPr>
-          <a:lstStyle>
-            <a:lvl1pPr marL="228600" indent="-228600" algn="l" defTabSz="914400" rtl="0" eaLnBrk="1" latinLnBrk="0" hangingPunct="1">
+          <a:lstStyle/>
+          <a:p>
+            <a:pPr marL="457200" indent="-457200">
               <a:lnSpc>
-                <a:spcPct val="90000"/>
+                <a:spcPct val="150000"/>
               </a:lnSpc>
-              <a:spcBef>
-                <a:spcPts val="1000"/>
-              </a:spcBef>
-              <a:buFont typeface="Arial" panose="020B0604020202020204" pitchFamily="34" charset="0"/>
-              <a:buChar char="•"/>
-              <a:defRPr sz="2800" kern="1200">
+              <a:buFont typeface="Wingdings" panose="05000000000000000000" pitchFamily="2" charset="2"/>
+              <a:buChar char="v"/>
+            </a:pPr>
+            <a:r>
+              <a:rPr lang="en-US" sz="2400" dirty="0">
                 <a:solidFill>
-                  <a:schemeClr val="tx1"/>
+                  <a:srgbClr val="ED265B"/>
                 </a:solidFill>
-                <a:latin typeface="+mn-lt"/>
-                <a:ea typeface="+mn-ea"/>
-                <a:cs typeface="+mn-cs"/>
-              </a:defRPr>
-            </a:lvl1pPr>
-            <a:lvl2pPr marL="685800" indent="-228600" algn="l" defTabSz="914400" rtl="0" eaLnBrk="1" latinLnBrk="0" hangingPunct="1">
+                <a:latin typeface="Gotham HTF Light"/>
+                <a:cs typeface="Gotham HTF Light"/>
+              </a:rPr>
+              <a:t>Como é </a:t>
+            </a:r>
+            <a:r>
+              <a:rPr lang="en-US" sz="2400" dirty="0" err="1">
+                <a:solidFill>
+                  <a:srgbClr val="ED265B"/>
+                </a:solidFill>
+                <a:latin typeface="Gotham HTF Light"/>
+                <a:cs typeface="Gotham HTF Light"/>
+              </a:rPr>
+              <a:t>dividida</a:t>
+            </a:r>
+            <a:r>
+              <a:rPr lang="en-US" sz="2400" dirty="0">
+                <a:solidFill>
+                  <a:srgbClr val="ED265B"/>
+                </a:solidFill>
+                <a:latin typeface="Gotham HTF Light"/>
+                <a:cs typeface="Gotham HTF Light"/>
+              </a:rPr>
+              <a:t> a </a:t>
+            </a:r>
+            <a:r>
+              <a:rPr lang="en-US" sz="2400" dirty="0" err="1">
+                <a:solidFill>
+                  <a:srgbClr val="ED265B"/>
+                </a:solidFill>
+                <a:latin typeface="Gotham HTF Light"/>
+                <a:cs typeface="Gotham HTF Light"/>
+              </a:rPr>
+              <a:t>avaliação</a:t>
+            </a:r>
+            <a:r>
+              <a:rPr lang="en-US" sz="2400" dirty="0">
+                <a:solidFill>
+                  <a:srgbClr val="ED265B"/>
+                </a:solidFill>
+                <a:latin typeface="Gotham HTF Light"/>
+                <a:cs typeface="Gotham HTF Light"/>
+              </a:rPr>
+              <a:t> do checkpoint?</a:t>
+            </a:r>
+          </a:p>
+          <a:p>
+            <a:pPr marL="914400" lvl="1" indent="-457200">
               <a:lnSpc>
-                <a:spcPct val="90000"/>
+                <a:spcPct val="150000"/>
               </a:lnSpc>
-              <a:spcBef>
-                <a:spcPts val="500"/>
-              </a:spcBef>
-              <a:buFont typeface="Arial" panose="020B0604020202020204" pitchFamily="34" charset="0"/>
-              <a:buChar char="•"/>
-              <a:defRPr sz="2400" kern="1200">
+              <a:buFont typeface="Wingdings" panose="05000000000000000000" pitchFamily="2" charset="2"/>
+              <a:buChar char="v"/>
+            </a:pPr>
+            <a:r>
+              <a:rPr lang="en-US" sz="2000" dirty="0" err="1">
                 <a:solidFill>
-                  <a:schemeClr val="tx1"/>
+                  <a:srgbClr val="ED265B"/>
                 </a:solidFill>
-                <a:latin typeface="+mn-lt"/>
-                <a:ea typeface="+mn-ea"/>
-                <a:cs typeface="+mn-cs"/>
-              </a:defRPr>
-            </a:lvl2pPr>
-            <a:lvl3pPr marL="1143000" indent="-228600" algn="l" defTabSz="914400" rtl="0" eaLnBrk="1" latinLnBrk="0" hangingPunct="1">
+                <a:latin typeface="Gotham HTF Light"/>
+                <a:cs typeface="Gotham HTF Light"/>
+              </a:rPr>
+              <a:t>Serão</a:t>
+            </a:r>
+            <a:r>
+              <a:rPr lang="en-US" sz="2000" dirty="0">
+                <a:solidFill>
+                  <a:srgbClr val="ED265B"/>
+                </a:solidFill>
+                <a:latin typeface="Gotham HTF Light"/>
+                <a:cs typeface="Gotham HTF Light"/>
+              </a:rPr>
+              <a:t> 10 </a:t>
+            </a:r>
+            <a:r>
+              <a:rPr lang="en-US" sz="2000" dirty="0" err="1">
+                <a:solidFill>
+                  <a:srgbClr val="ED265B"/>
+                </a:solidFill>
+                <a:latin typeface="Gotham HTF Light"/>
+                <a:cs typeface="Gotham HTF Light"/>
+              </a:rPr>
+              <a:t>pontos</a:t>
+            </a:r>
+            <a:r>
+              <a:rPr lang="en-US" sz="2000" dirty="0">
+                <a:solidFill>
+                  <a:srgbClr val="ED265B"/>
+                </a:solidFill>
+                <a:latin typeface="Gotham HTF Light"/>
+                <a:cs typeface="Gotham HTF Light"/>
+              </a:rPr>
+              <a:t> </a:t>
+            </a:r>
+            <a:r>
+              <a:rPr lang="en-US" sz="2000" dirty="0" err="1">
+                <a:solidFill>
+                  <a:srgbClr val="ED265B"/>
+                </a:solidFill>
+                <a:latin typeface="Gotham HTF Light"/>
+                <a:cs typeface="Gotham HTF Light"/>
+              </a:rPr>
+              <a:t>por</a:t>
+            </a:r>
+            <a:r>
+              <a:rPr lang="en-US" sz="2000" dirty="0">
+                <a:solidFill>
+                  <a:srgbClr val="ED265B"/>
+                </a:solidFill>
+                <a:latin typeface="Gotham HTF Light"/>
+                <a:cs typeface="Gotham HTF Light"/>
+              </a:rPr>
+              <a:t> checkpoint:</a:t>
+            </a:r>
+          </a:p>
+          <a:p>
+            <a:pPr marL="1371600" lvl="2" indent="-457200">
               <a:lnSpc>
-                <a:spcPct val="90000"/>
+                <a:spcPct val="150000"/>
               </a:lnSpc>
-              <a:spcBef>
-                <a:spcPts val="500"/>
-              </a:spcBef>
-              <a:buFont typeface="Arial" panose="020B0604020202020204" pitchFamily="34" charset="0"/>
-              <a:buChar char="•"/>
-              <a:defRPr sz="2000" kern="1200">
+              <a:buFont typeface="Wingdings" panose="05000000000000000000" pitchFamily="2" charset="2"/>
+              <a:buChar char="Ø"/>
+            </a:pPr>
+            <a:r>
+              <a:rPr lang="en-US" sz="1600" dirty="0" err="1">
                 <a:solidFill>
-                  <a:schemeClr val="tx1"/>
+                  <a:srgbClr val="ED265B"/>
                 </a:solidFill>
-                <a:latin typeface="+mn-lt"/>
-                <a:ea typeface="+mn-ea"/>
-                <a:cs typeface="+mn-cs"/>
-              </a:defRPr>
-            </a:lvl3pPr>
-            <a:lvl4pPr marL="1600200" indent="-228600" algn="l" defTabSz="914400" rtl="0" eaLnBrk="1" latinLnBrk="0" hangingPunct="1">
+                <a:latin typeface="Gotham HTF Light"/>
+                <a:cs typeface="Gotham HTF Light"/>
+              </a:rPr>
+              <a:t>Documentação</a:t>
+            </a:r>
+            <a:r>
+              <a:rPr lang="en-US" sz="1600" dirty="0">
+                <a:solidFill>
+                  <a:srgbClr val="ED265B"/>
+                </a:solidFill>
+                <a:latin typeface="Gotham HTF Light"/>
+                <a:cs typeface="Gotham HTF Light"/>
+              </a:rPr>
+              <a:t> – 5 </a:t>
+            </a:r>
+            <a:r>
+              <a:rPr lang="en-US" sz="1600" dirty="0" err="1">
+                <a:solidFill>
+                  <a:srgbClr val="ED265B"/>
+                </a:solidFill>
+                <a:latin typeface="Gotham HTF Light"/>
+                <a:cs typeface="Gotham HTF Light"/>
+              </a:rPr>
+              <a:t>pontos</a:t>
+            </a:r>
+            <a:r>
+              <a:rPr lang="en-US" sz="1600" dirty="0">
+                <a:solidFill>
+                  <a:srgbClr val="ED265B"/>
+                </a:solidFill>
+                <a:latin typeface="Gotham HTF Light"/>
+                <a:cs typeface="Gotham HTF Light"/>
+              </a:rPr>
+              <a:t>:</a:t>
+            </a:r>
+          </a:p>
+          <a:p>
+            <a:pPr marL="1828800" lvl="3" indent="-457200">
               <a:lnSpc>
-                <a:spcPct val="90000"/>
+                <a:spcPct val="150000"/>
               </a:lnSpc>
-              <a:spcBef>
-                <a:spcPts val="500"/>
-              </a:spcBef>
-              <a:buFont typeface="Arial" panose="020B0604020202020204" pitchFamily="34" charset="0"/>
-              <a:buChar char="•"/>
-              <a:defRPr sz="1800" kern="1200">
-                <a:solidFill>
-                  <a:schemeClr val="tx1"/>
-                </a:solidFill>
-                <a:latin typeface="+mn-lt"/>
-                <a:ea typeface="+mn-ea"/>
-                <a:cs typeface="+mn-cs"/>
-              </a:defRPr>
-            </a:lvl4pPr>
-            <a:lvl5pPr marL="2057400" indent="-228600" algn="l" defTabSz="914400" rtl="0" eaLnBrk="1" latinLnBrk="0" hangingPunct="1">
-              <a:lnSpc>
-                <a:spcPct val="90000"/>
-              </a:lnSpc>
-              <a:spcBef>
-                <a:spcPts val="500"/>
-              </a:spcBef>
-              <a:buFont typeface="Arial" panose="020B0604020202020204" pitchFamily="34" charset="0"/>
-              <a:buChar char="•"/>
-              <a:defRPr sz="1800" kern="1200">
-                <a:solidFill>
-                  <a:schemeClr val="tx1"/>
-                </a:solidFill>
-                <a:latin typeface="+mn-lt"/>
-                <a:ea typeface="+mn-ea"/>
-                <a:cs typeface="+mn-cs"/>
-              </a:defRPr>
-            </a:lvl5pPr>
-            <a:lvl6pPr marL="2514600" indent="-228600" algn="l" defTabSz="914400" rtl="0" eaLnBrk="1" latinLnBrk="0" hangingPunct="1">
-              <a:lnSpc>
-                <a:spcPct val="90000"/>
-              </a:lnSpc>
-              <a:spcBef>
-                <a:spcPts val="500"/>
-              </a:spcBef>
-              <a:buFont typeface="Arial" panose="020B0604020202020204" pitchFamily="34" charset="0"/>
-              <a:buChar char="•"/>
-              <a:defRPr sz="1800" kern="1200">
-                <a:solidFill>
-                  <a:schemeClr val="tx1"/>
-                </a:solidFill>
-                <a:latin typeface="+mn-lt"/>
-                <a:ea typeface="+mn-ea"/>
-                <a:cs typeface="+mn-cs"/>
-              </a:defRPr>
-            </a:lvl6pPr>
-            <a:lvl7pPr marL="2971800" indent="-228600" algn="l" defTabSz="914400" rtl="0" eaLnBrk="1" latinLnBrk="0" hangingPunct="1">
-              <a:lnSpc>
-                <a:spcPct val="90000"/>
-              </a:lnSpc>
-              <a:spcBef>
-                <a:spcPts val="500"/>
-              </a:spcBef>
-              <a:buFont typeface="Arial" panose="020B0604020202020204" pitchFamily="34" charset="0"/>
-              <a:buChar char="•"/>
-              <a:defRPr sz="1800" kern="1200">
-                <a:solidFill>
-                  <a:schemeClr val="tx1"/>
-                </a:solidFill>
-                <a:latin typeface="+mn-lt"/>
-                <a:ea typeface="+mn-ea"/>
-                <a:cs typeface="+mn-cs"/>
-              </a:defRPr>
-            </a:lvl7pPr>
-            <a:lvl8pPr marL="3429000" indent="-228600" algn="l" defTabSz="914400" rtl="0" eaLnBrk="1" latinLnBrk="0" hangingPunct="1">
-              <a:lnSpc>
-                <a:spcPct val="90000"/>
-              </a:lnSpc>
-              <a:spcBef>
-                <a:spcPts val="500"/>
-              </a:spcBef>
-              <a:buFont typeface="Arial" panose="020B0604020202020204" pitchFamily="34" charset="0"/>
-              <a:buChar char="•"/>
-              <a:defRPr sz="1800" kern="1200">
-                <a:solidFill>
-                  <a:schemeClr val="tx1"/>
-                </a:solidFill>
-                <a:latin typeface="+mn-lt"/>
-                <a:ea typeface="+mn-ea"/>
-                <a:cs typeface="+mn-cs"/>
-              </a:defRPr>
-            </a:lvl8pPr>
-            <a:lvl9pPr marL="3886200" indent="-228600" algn="l" defTabSz="914400" rtl="0" eaLnBrk="1" latinLnBrk="0" hangingPunct="1">
-              <a:lnSpc>
-                <a:spcPct val="90000"/>
-              </a:lnSpc>
-              <a:spcBef>
-                <a:spcPts val="500"/>
-              </a:spcBef>
-              <a:buFont typeface="Arial" panose="020B0604020202020204" pitchFamily="34" charset="0"/>
-              <a:buChar char="•"/>
-              <a:defRPr sz="1800" kern="1200">
-                <a:solidFill>
-                  <a:schemeClr val="tx1"/>
-                </a:solidFill>
-                <a:latin typeface="+mn-lt"/>
-                <a:ea typeface="+mn-ea"/>
-                <a:cs typeface="+mn-cs"/>
-              </a:defRPr>
-            </a:lvl9pPr>
-          </a:lstStyle>
-          <a:p>
-            <a:pPr>
-              <a:lnSpc>
-                <a:spcPct val="100000"/>
-              </a:lnSpc>
-              <a:spcBef>
-                <a:spcPts val="0"/>
-              </a:spcBef>
               <a:buClr>
                 <a:srgbClr val="ED265B"/>
               </a:buClr>
               <a:buFont typeface="Wingdings" panose="05000000000000000000" pitchFamily="2" charset="2"/>
-              <a:buChar char="v"/>
+              <a:buChar char="ü"/>
             </a:pPr>
             <a:r>
-              <a:rPr lang="pt-BR" sz="2400" dirty="0">
-                <a:latin typeface="Gotham HTF"/>
-              </a:rPr>
-              <a:t> Projeto e simulação no </a:t>
-            </a:r>
-            <a:r>
-              <a:rPr lang="pt-BR" sz="2400" dirty="0" err="1">
-                <a:latin typeface="Gotham HTF"/>
-              </a:rPr>
-              <a:t>Tinkercad</a:t>
-            </a:r>
-            <a:r>
-              <a:rPr lang="pt-BR" sz="2400" dirty="0">
-                <a:latin typeface="Gotham HTF"/>
-              </a:rPr>
-              <a:t>;</a:t>
-            </a:r>
-          </a:p>
-          <a:p>
-            <a:pPr>
+              <a:rPr lang="en-US" sz="1400" dirty="0">
+                <a:latin typeface="Gotham HTF Light"/>
+                <a:cs typeface="Gotham HTF Light"/>
+              </a:rPr>
+              <a:t>1 </a:t>
+            </a:r>
+            <a:r>
+              <a:rPr lang="en-US" sz="1400" dirty="0" err="1">
+                <a:latin typeface="Gotham HTF Light"/>
+                <a:cs typeface="Gotham HTF Light"/>
+              </a:rPr>
+              <a:t>ponto</a:t>
+            </a:r>
+            <a:r>
+              <a:rPr lang="en-US" sz="1400" dirty="0">
+                <a:latin typeface="Gotham HTF Light"/>
+                <a:cs typeface="Gotham HTF Light"/>
+              </a:rPr>
+              <a:t> pela </a:t>
+            </a:r>
+            <a:r>
+              <a:rPr lang="en-US" sz="1400" dirty="0" err="1">
+                <a:latin typeface="Gotham HTF Light"/>
+                <a:cs typeface="Gotham HTF Light"/>
+              </a:rPr>
+              <a:t>clareza</a:t>
+            </a:r>
+            <a:r>
+              <a:rPr lang="en-US" sz="1400" dirty="0">
+                <a:latin typeface="Gotham HTF Light"/>
+                <a:cs typeface="Gotham HTF Light"/>
+              </a:rPr>
+              <a:t> e </a:t>
+            </a:r>
+            <a:r>
+              <a:rPr lang="en-US" sz="1400" dirty="0" err="1">
+                <a:latin typeface="Gotham HTF Light"/>
+                <a:cs typeface="Gotham HTF Light"/>
+              </a:rPr>
+              <a:t>composição</a:t>
+            </a:r>
+            <a:r>
+              <a:rPr lang="en-US" sz="1400" dirty="0">
+                <a:latin typeface="Gotham HTF Light"/>
+                <a:cs typeface="Gotham HTF Light"/>
+              </a:rPr>
+              <a:t> do </a:t>
+            </a:r>
+            <a:r>
+              <a:rPr lang="en-US" sz="1400" b="1" dirty="0">
+                <a:latin typeface="Gotham HTF Light"/>
+                <a:cs typeface="Gotham HTF Light"/>
+              </a:rPr>
+              <a:t>README;</a:t>
+            </a:r>
+          </a:p>
+          <a:p>
+            <a:pPr marL="1828800" lvl="3" indent="-457200">
               <a:lnSpc>
-                <a:spcPct val="100000"/>
+                <a:spcPct val="150000"/>
               </a:lnSpc>
-              <a:spcBef>
-                <a:spcPts val="0"/>
-              </a:spcBef>
               <a:buClr>
                 <a:srgbClr val="ED265B"/>
               </a:buClr>
               <a:buFont typeface="Wingdings" panose="05000000000000000000" pitchFamily="2" charset="2"/>
-              <a:buChar char="v"/>
+              <a:buChar char="ü"/>
             </a:pPr>
-            <a:endParaRPr lang="pt-BR" sz="2400" dirty="0">
-              <a:latin typeface="Gotham HTF"/>
-            </a:endParaRPr>
-          </a:p>
-          <a:p>
-            <a:pPr>
+            <a:r>
+              <a:rPr lang="en-US" sz="1400" dirty="0">
+                <a:latin typeface="Gotham HTF Light"/>
+                <a:cs typeface="Gotham HTF Light"/>
+              </a:rPr>
+              <a:t>1 </a:t>
+            </a:r>
+            <a:r>
+              <a:rPr lang="en-US" sz="1400" dirty="0" err="1">
+                <a:latin typeface="Gotham HTF Light"/>
+                <a:cs typeface="Gotham HTF Light"/>
+              </a:rPr>
+              <a:t>ponto</a:t>
+            </a:r>
+            <a:r>
+              <a:rPr lang="en-US" sz="1400" dirty="0">
+                <a:latin typeface="Gotham HTF Light"/>
+                <a:cs typeface="Gotham HTF Light"/>
+              </a:rPr>
+              <a:t> pela </a:t>
+            </a:r>
+            <a:r>
+              <a:rPr lang="en-US" sz="1400" b="1" dirty="0" err="1">
+                <a:latin typeface="Gotham HTF Light"/>
+                <a:cs typeface="Gotham HTF Light"/>
+              </a:rPr>
+              <a:t>Imagem</a:t>
+            </a:r>
+            <a:r>
+              <a:rPr lang="en-US" sz="1400" dirty="0">
+                <a:latin typeface="Gotham HTF Light"/>
+                <a:cs typeface="Gotham HTF Light"/>
+              </a:rPr>
+              <a:t> do </a:t>
+            </a:r>
+            <a:r>
+              <a:rPr lang="en-US" sz="1400" dirty="0" err="1">
+                <a:latin typeface="Gotham HTF Light"/>
+                <a:cs typeface="Gotham HTF Light"/>
+              </a:rPr>
+              <a:t>circuito</a:t>
+            </a:r>
+            <a:r>
+              <a:rPr lang="en-US" sz="1400" dirty="0">
+                <a:latin typeface="Gotham HTF Light"/>
+                <a:cs typeface="Gotham HTF Light"/>
+              </a:rPr>
+              <a:t> </a:t>
+            </a:r>
+            <a:r>
+              <a:rPr lang="en-US" sz="1400" dirty="0" err="1">
+                <a:latin typeface="Gotham HTF Light"/>
+                <a:cs typeface="Gotham HTF Light"/>
+              </a:rPr>
+              <a:t>montado</a:t>
+            </a:r>
+            <a:r>
+              <a:rPr lang="en-US" sz="1400" dirty="0">
+                <a:latin typeface="Gotham HTF Light"/>
+                <a:cs typeface="Gotham HTF Light"/>
+              </a:rPr>
+              <a:t> no </a:t>
+            </a:r>
+            <a:r>
+              <a:rPr lang="en-US" sz="1400" dirty="0" err="1">
+                <a:latin typeface="Gotham HTF Light"/>
+                <a:cs typeface="Gotham HTF Light"/>
+              </a:rPr>
+              <a:t>simulador</a:t>
+            </a:r>
+            <a:r>
+              <a:rPr lang="en-US" sz="1400" dirty="0">
+                <a:latin typeface="Gotham HTF Light"/>
+                <a:cs typeface="Gotham HTF Light"/>
+              </a:rPr>
+              <a:t>;</a:t>
+            </a:r>
+          </a:p>
+          <a:p>
+            <a:pPr marL="1828800" lvl="3" indent="-457200">
               <a:lnSpc>
-                <a:spcPct val="100000"/>
+                <a:spcPct val="150000"/>
               </a:lnSpc>
-              <a:spcBef>
-                <a:spcPts val="0"/>
-              </a:spcBef>
               <a:buClr>
                 <a:srgbClr val="ED265B"/>
               </a:buClr>
               <a:buFont typeface="Wingdings" panose="05000000000000000000" pitchFamily="2" charset="2"/>
-              <a:buChar char="v"/>
+              <a:buChar char="ü"/>
             </a:pPr>
             <a:r>
-              <a:rPr lang="pt-BR" sz="2400" dirty="0">
-                <a:latin typeface="Gotham HTF"/>
-              </a:rPr>
-              <a:t> Arquivo README contendo a descrição do projeto, suas dependências e como reproduzi-lo;</a:t>
-            </a:r>
-          </a:p>
-          <a:p>
-            <a:pPr>
+              <a:rPr lang="en-US" sz="1400" dirty="0">
+                <a:latin typeface="Gotham HTF Light"/>
+                <a:cs typeface="Gotham HTF Light"/>
+              </a:rPr>
+              <a:t>1 </a:t>
+            </a:r>
+            <a:r>
+              <a:rPr lang="en-US" sz="1400" dirty="0" err="1">
+                <a:latin typeface="Gotham HTF Light"/>
+                <a:cs typeface="Gotham HTF Light"/>
+              </a:rPr>
+              <a:t>ponto</a:t>
+            </a:r>
+            <a:r>
+              <a:rPr lang="en-US" sz="1400" dirty="0">
+                <a:latin typeface="Gotham HTF Light"/>
+                <a:cs typeface="Gotham HTF Light"/>
+              </a:rPr>
+              <a:t> </a:t>
+            </a:r>
+            <a:r>
+              <a:rPr lang="en-US" sz="1400" dirty="0" err="1">
+                <a:latin typeface="Gotham HTF Light"/>
+                <a:cs typeface="Gotham HTF Light"/>
+              </a:rPr>
+              <a:t>pelo</a:t>
+            </a:r>
+            <a:r>
+              <a:rPr lang="en-US" sz="1400" dirty="0">
+                <a:latin typeface="Gotham HTF Light"/>
+                <a:cs typeface="Gotham HTF Light"/>
+              </a:rPr>
+              <a:t> </a:t>
+            </a:r>
+            <a:r>
+              <a:rPr lang="en-US" sz="1400" dirty="0" err="1">
+                <a:latin typeface="Gotham HTF Light"/>
+                <a:cs typeface="Gotham HTF Light"/>
+              </a:rPr>
+              <a:t>circuito</a:t>
+            </a:r>
+            <a:r>
+              <a:rPr lang="en-US" sz="1400" dirty="0">
+                <a:latin typeface="Gotham HTF Light"/>
+                <a:cs typeface="Gotham HTF Light"/>
+              </a:rPr>
+              <a:t> </a:t>
+            </a:r>
+            <a:r>
+              <a:rPr lang="en-US" sz="1400" dirty="0" err="1">
+                <a:latin typeface="Gotham HTF Light"/>
+                <a:cs typeface="Gotham HTF Light"/>
+              </a:rPr>
+              <a:t>implementado</a:t>
+            </a:r>
+            <a:r>
+              <a:rPr lang="en-US" sz="1400" dirty="0">
+                <a:latin typeface="Gotham HTF Light"/>
+                <a:cs typeface="Gotham HTF Light"/>
+              </a:rPr>
+              <a:t> no </a:t>
+            </a:r>
+            <a:r>
+              <a:rPr lang="en-US" sz="1400" b="1" dirty="0" err="1">
+                <a:latin typeface="Gotham HTF Light"/>
+                <a:cs typeface="Gotham HTF Light"/>
+              </a:rPr>
+              <a:t>Simulador</a:t>
+            </a:r>
+            <a:r>
+              <a:rPr lang="en-US" sz="1400" b="1" dirty="0">
+                <a:latin typeface="Gotham HTF Light"/>
+                <a:cs typeface="Gotham HTF Light"/>
+              </a:rPr>
+              <a:t>;</a:t>
+            </a:r>
+            <a:endParaRPr lang="en-US" sz="1400" dirty="0">
+              <a:latin typeface="Gotham HTF Light"/>
+              <a:cs typeface="Gotham HTF Light"/>
+            </a:endParaRPr>
+          </a:p>
+          <a:p>
+            <a:pPr marL="1828800" lvl="3" indent="-457200">
               <a:lnSpc>
-                <a:spcPct val="100000"/>
+                <a:spcPct val="150000"/>
               </a:lnSpc>
-              <a:spcBef>
-                <a:spcPts val="0"/>
-              </a:spcBef>
               <a:buClr>
                 <a:srgbClr val="ED265B"/>
               </a:buClr>
               <a:buFont typeface="Wingdings" panose="05000000000000000000" pitchFamily="2" charset="2"/>
-              <a:buChar char="v"/>
+              <a:buChar char="ü"/>
             </a:pPr>
-            <a:endParaRPr lang="pt-BR" sz="2400" dirty="0">
-              <a:latin typeface="Gotham HTF"/>
-            </a:endParaRPr>
-          </a:p>
-          <a:p>
-            <a:pPr>
+            <a:r>
+              <a:rPr lang="en-US" sz="1400" dirty="0">
+                <a:latin typeface="Gotham HTF Light"/>
+                <a:cs typeface="Gotham HTF Light"/>
+              </a:rPr>
+              <a:t>1 </a:t>
+            </a:r>
+            <a:r>
+              <a:rPr lang="en-US" sz="1400" dirty="0" err="1">
+                <a:latin typeface="Gotham HTF Light"/>
+                <a:cs typeface="Gotham HTF Light"/>
+              </a:rPr>
+              <a:t>ponto</a:t>
+            </a:r>
+            <a:r>
+              <a:rPr lang="en-US" sz="1400" dirty="0">
+                <a:latin typeface="Gotham HTF Light"/>
+                <a:cs typeface="Gotham HTF Light"/>
+              </a:rPr>
+              <a:t> pela </a:t>
+            </a:r>
+            <a:r>
+              <a:rPr lang="en-US" sz="1400" dirty="0" err="1">
+                <a:latin typeface="Gotham HTF Light"/>
+                <a:cs typeface="Gotham HTF Light"/>
+              </a:rPr>
+              <a:t>clareza</a:t>
+            </a:r>
+            <a:r>
+              <a:rPr lang="en-US" sz="1400" dirty="0">
+                <a:latin typeface="Gotham HTF Light"/>
+                <a:cs typeface="Gotham HTF Light"/>
+              </a:rPr>
+              <a:t> e </a:t>
+            </a:r>
+            <a:r>
+              <a:rPr lang="en-US" sz="1400" dirty="0" err="1">
+                <a:latin typeface="Gotham HTF Light"/>
+                <a:cs typeface="Gotham HTF Light"/>
+              </a:rPr>
+              <a:t>composição</a:t>
+            </a:r>
+            <a:r>
+              <a:rPr lang="en-US" sz="1400" dirty="0">
+                <a:latin typeface="Gotham HTF Light"/>
+                <a:cs typeface="Gotham HTF Light"/>
+              </a:rPr>
+              <a:t> do </a:t>
+            </a:r>
+            <a:r>
+              <a:rPr lang="en-US" sz="1400" b="1" dirty="0">
+                <a:latin typeface="Gotham HTF Light"/>
+                <a:cs typeface="Gotham HTF Light"/>
+              </a:rPr>
+              <a:t>Código Fonte</a:t>
+            </a:r>
+            <a:r>
+              <a:rPr lang="en-US" sz="1400" dirty="0">
+                <a:latin typeface="Gotham HTF Light"/>
+                <a:cs typeface="Gotham HTF Light"/>
+              </a:rPr>
+              <a:t>;</a:t>
+            </a:r>
+          </a:p>
+          <a:p>
+            <a:pPr marL="1828800" lvl="3" indent="-457200">
               <a:lnSpc>
-                <a:spcPct val="100000"/>
+                <a:spcPct val="150000"/>
               </a:lnSpc>
-              <a:spcBef>
-                <a:spcPts val="0"/>
-              </a:spcBef>
               <a:buClr>
                 <a:srgbClr val="ED265B"/>
               </a:buClr>
               <a:buFont typeface="Wingdings" panose="05000000000000000000" pitchFamily="2" charset="2"/>
-              <a:buChar char="v"/>
+              <a:buChar char="ü"/>
             </a:pPr>
             <a:r>
-              <a:rPr lang="pt-BR" sz="2400" dirty="0">
-                <a:latin typeface="Gotham HTF"/>
-              </a:rPr>
-              <a:t> Vídeo de no máximo 3 minutos explicando como o projeto foi  implementado, quais foram as dificuldades encontradas e como foram resolvidas.</a:t>
-            </a:r>
-          </a:p>
-          <a:p>
-            <a:pPr>
+              <a:rPr lang="en-US" sz="1400" dirty="0">
+                <a:latin typeface="Gotham HTF Light"/>
+                <a:cs typeface="Gotham HTF Light"/>
+              </a:rPr>
+              <a:t>1 </a:t>
+            </a:r>
+            <a:r>
+              <a:rPr lang="en-US" sz="1400" dirty="0" err="1">
+                <a:latin typeface="Gotham HTF Light"/>
+                <a:cs typeface="Gotham HTF Light"/>
+              </a:rPr>
+              <a:t>ponto</a:t>
+            </a:r>
+            <a:r>
+              <a:rPr lang="en-US" sz="1400" dirty="0">
+                <a:latin typeface="Gotham HTF Light"/>
+                <a:cs typeface="Gotham HTF Light"/>
+              </a:rPr>
+              <a:t> pela </a:t>
+            </a:r>
+            <a:r>
+              <a:rPr lang="en-US" sz="1400" dirty="0" err="1">
+                <a:latin typeface="Gotham HTF Light"/>
+                <a:cs typeface="Gotham HTF Light"/>
+              </a:rPr>
+              <a:t>clareza</a:t>
+            </a:r>
+            <a:r>
+              <a:rPr lang="en-US" sz="1400" dirty="0">
+                <a:latin typeface="Gotham HTF Light"/>
+                <a:cs typeface="Gotham HTF Light"/>
+              </a:rPr>
+              <a:t> do </a:t>
+            </a:r>
+            <a:r>
+              <a:rPr lang="en-US" sz="1400" b="1" dirty="0">
+                <a:latin typeface="Gotham HTF Light"/>
+                <a:cs typeface="Gotham HTF Light"/>
+              </a:rPr>
+              <a:t>Video</a:t>
+            </a:r>
+            <a:r>
+              <a:rPr lang="en-US" sz="1400" dirty="0">
+                <a:latin typeface="Gotham HTF Light"/>
+                <a:cs typeface="Gotham HTF Light"/>
+              </a:rPr>
+              <a:t> </a:t>
+            </a:r>
+            <a:r>
+              <a:rPr lang="en-US" sz="1400" dirty="0" err="1">
+                <a:latin typeface="Gotham HTF Light"/>
+                <a:cs typeface="Gotham HTF Light"/>
+              </a:rPr>
+              <a:t>explicativo</a:t>
+            </a:r>
+            <a:r>
+              <a:rPr lang="en-US" sz="1400" dirty="0">
+                <a:latin typeface="Gotham HTF Light"/>
+                <a:cs typeface="Gotham HTF Light"/>
+              </a:rPr>
+              <a:t>;</a:t>
+            </a:r>
+          </a:p>
+          <a:p>
+            <a:pPr marL="1371600" lvl="2" indent="-457200">
               <a:lnSpc>
-                <a:spcPct val="100000"/>
+                <a:spcPct val="150000"/>
               </a:lnSpc>
-              <a:spcBef>
-                <a:spcPts val="0"/>
-              </a:spcBef>
+              <a:buFont typeface="Wingdings" panose="05000000000000000000" pitchFamily="2" charset="2"/>
+              <a:buChar char="Ø"/>
+            </a:pPr>
+            <a:r>
+              <a:rPr lang="en-US" sz="1600" dirty="0" err="1">
+                <a:solidFill>
+                  <a:srgbClr val="ED145B"/>
+                </a:solidFill>
+                <a:latin typeface="Gotham HTF Light"/>
+                <a:cs typeface="Gotham HTF Light"/>
+              </a:rPr>
+              <a:t>Hands-ON</a:t>
+            </a:r>
+            <a:r>
+              <a:rPr lang="en-US" sz="1600" dirty="0">
+                <a:solidFill>
+                  <a:srgbClr val="ED145B"/>
+                </a:solidFill>
+                <a:latin typeface="Gotham HTF Light"/>
+                <a:cs typeface="Gotham HTF Light"/>
+              </a:rPr>
+              <a:t> – 5 </a:t>
+            </a:r>
+            <a:r>
+              <a:rPr lang="en-US" sz="1600" dirty="0" err="1">
+                <a:solidFill>
+                  <a:srgbClr val="ED145B"/>
+                </a:solidFill>
+                <a:latin typeface="Gotham HTF Light"/>
+                <a:cs typeface="Gotham HTF Light"/>
+              </a:rPr>
+              <a:t>pontos</a:t>
+            </a:r>
+            <a:r>
+              <a:rPr lang="en-US" sz="1600" dirty="0">
+                <a:solidFill>
+                  <a:srgbClr val="ED145B"/>
+                </a:solidFill>
+                <a:latin typeface="Gotham HTF Light"/>
+                <a:cs typeface="Gotham HTF Light"/>
+              </a:rPr>
+              <a:t>:</a:t>
+            </a:r>
+          </a:p>
+          <a:p>
+            <a:pPr marL="1828800" lvl="3" indent="-457200">
+              <a:lnSpc>
+                <a:spcPct val="150000"/>
+              </a:lnSpc>
               <a:buClr>
                 <a:srgbClr val="ED265B"/>
               </a:buClr>
               <a:buFont typeface="Wingdings" panose="05000000000000000000" pitchFamily="2" charset="2"/>
-              <a:buChar char="v"/>
+              <a:buChar char="ü"/>
             </a:pPr>
-            <a:endParaRPr lang="pt-BR" sz="2400" dirty="0">
-              <a:latin typeface="Gotham HTF"/>
-            </a:endParaRPr>
+            <a:r>
+              <a:rPr lang="en-US" sz="1400" dirty="0">
+                <a:latin typeface="Gotham HTF Light"/>
+                <a:cs typeface="Gotham HTF Light"/>
+              </a:rPr>
+              <a:t>1 </a:t>
+            </a:r>
+            <a:r>
+              <a:rPr lang="en-US" sz="1400" dirty="0" err="1">
+                <a:latin typeface="Gotham HTF Light"/>
+                <a:cs typeface="Gotham HTF Light"/>
+              </a:rPr>
+              <a:t>ponto</a:t>
+            </a:r>
+            <a:r>
+              <a:rPr lang="en-US" sz="1400" dirty="0">
+                <a:latin typeface="Gotham HTF Light"/>
+                <a:cs typeface="Gotham HTF Light"/>
+              </a:rPr>
+              <a:t> pela </a:t>
+            </a:r>
+            <a:r>
+              <a:rPr lang="en-US" sz="1400" dirty="0" err="1">
+                <a:latin typeface="Gotham HTF Light"/>
+                <a:cs typeface="Gotham HTF Light"/>
+              </a:rPr>
+              <a:t>organização</a:t>
+            </a:r>
+            <a:r>
+              <a:rPr lang="en-US" sz="1400" dirty="0">
+                <a:latin typeface="Gotham HTF Light"/>
+                <a:cs typeface="Gotham HTF Light"/>
+              </a:rPr>
+              <a:t> </a:t>
+            </a:r>
+            <a:r>
+              <a:rPr lang="en-US" sz="1400" dirty="0" err="1">
+                <a:latin typeface="Gotham HTF Light"/>
+                <a:cs typeface="Gotham HTF Light"/>
+              </a:rPr>
+              <a:t>na</a:t>
+            </a:r>
+            <a:r>
+              <a:rPr lang="en-US" sz="1400" dirty="0">
+                <a:latin typeface="Gotham HTF Light"/>
+                <a:cs typeface="Gotham HTF Light"/>
+              </a:rPr>
+              <a:t> </a:t>
+            </a:r>
+            <a:r>
+              <a:rPr lang="en-US" sz="1400" dirty="0" err="1">
+                <a:latin typeface="Gotham HTF Light"/>
+                <a:cs typeface="Gotham HTF Light"/>
+              </a:rPr>
+              <a:t>montagem</a:t>
+            </a:r>
+            <a:r>
+              <a:rPr lang="en-US" sz="1400" dirty="0">
+                <a:latin typeface="Gotham HTF Light"/>
+                <a:cs typeface="Gotham HTF Light"/>
+              </a:rPr>
+              <a:t> do </a:t>
+            </a:r>
+            <a:r>
+              <a:rPr lang="en-US" sz="1400" dirty="0" err="1">
+                <a:latin typeface="Gotham HTF Light"/>
+                <a:cs typeface="Gotham HTF Light"/>
+              </a:rPr>
+              <a:t>projeto</a:t>
+            </a:r>
+            <a:r>
+              <a:rPr lang="en-US" sz="1400" dirty="0">
+                <a:latin typeface="Gotham HTF Light"/>
+                <a:cs typeface="Gotham HTF Light"/>
+              </a:rPr>
+              <a:t>;</a:t>
+            </a:r>
+          </a:p>
+          <a:p>
+            <a:pPr marL="1828800" lvl="3" indent="-457200">
+              <a:lnSpc>
+                <a:spcPct val="150000"/>
+              </a:lnSpc>
+              <a:buClr>
+                <a:srgbClr val="ED265B"/>
+              </a:buClr>
+              <a:buFont typeface="Wingdings" panose="05000000000000000000" pitchFamily="2" charset="2"/>
+              <a:buChar char="ü"/>
+            </a:pPr>
+            <a:r>
+              <a:rPr lang="en-US" sz="1400" dirty="0">
+                <a:latin typeface="Gotham HTF Light"/>
+                <a:cs typeface="Gotham HTF Light"/>
+              </a:rPr>
+              <a:t>1 </a:t>
+            </a:r>
+            <a:r>
+              <a:rPr lang="en-US" sz="1400" dirty="0" err="1">
+                <a:latin typeface="Gotham HTF Light"/>
+                <a:cs typeface="Gotham HTF Light"/>
+              </a:rPr>
+              <a:t>pontos</a:t>
+            </a:r>
+            <a:r>
+              <a:rPr lang="en-US" sz="1400" dirty="0">
+                <a:latin typeface="Gotham HTF Light"/>
+                <a:cs typeface="Gotham HTF Light"/>
+              </a:rPr>
+              <a:t> pela </a:t>
+            </a:r>
+            <a:r>
+              <a:rPr lang="en-US" sz="1400" dirty="0" err="1">
+                <a:latin typeface="Gotham HTF Light"/>
+                <a:cs typeface="Gotham HTF Light"/>
+              </a:rPr>
+              <a:t>arguição</a:t>
+            </a:r>
+            <a:r>
+              <a:rPr lang="en-US" sz="1400" dirty="0">
+                <a:latin typeface="Gotham HTF Light"/>
+                <a:cs typeface="Gotham HTF Light"/>
+              </a:rPr>
+              <a:t> </a:t>
+            </a:r>
+            <a:r>
+              <a:rPr lang="en-US" sz="1400" dirty="0" err="1">
+                <a:latin typeface="Gotham HTF Light"/>
+                <a:cs typeface="Gotham HTF Light"/>
+              </a:rPr>
+              <a:t>realizada</a:t>
+            </a:r>
+            <a:r>
+              <a:rPr lang="en-US" sz="1400" dirty="0">
+                <a:latin typeface="Gotham HTF Light"/>
+                <a:cs typeface="Gotham HTF Light"/>
+              </a:rPr>
+              <a:t> </a:t>
+            </a:r>
+            <a:r>
+              <a:rPr lang="en-US" sz="1400" dirty="0" err="1">
+                <a:latin typeface="Gotham HTF Light"/>
+                <a:cs typeface="Gotham HTF Light"/>
+              </a:rPr>
+              <a:t>pelo</a:t>
+            </a:r>
+            <a:r>
+              <a:rPr lang="en-US" sz="1400" dirty="0">
+                <a:latin typeface="Gotham HTF Light"/>
+                <a:cs typeface="Gotham HTF Light"/>
+              </a:rPr>
+              <a:t> professor;</a:t>
+            </a:r>
+          </a:p>
+          <a:p>
+            <a:pPr marL="1828800" lvl="3" indent="-457200">
+              <a:lnSpc>
+                <a:spcPct val="150000"/>
+              </a:lnSpc>
+              <a:buClr>
+                <a:srgbClr val="ED265B"/>
+              </a:buClr>
+              <a:buFont typeface="Wingdings" panose="05000000000000000000" pitchFamily="2" charset="2"/>
+              <a:buChar char="ü"/>
+            </a:pPr>
+            <a:r>
+              <a:rPr lang="en-US" sz="1400" dirty="0">
+                <a:latin typeface="Gotham HTF Light"/>
+                <a:cs typeface="Gotham HTF Light"/>
+              </a:rPr>
+              <a:t>3 </a:t>
+            </a:r>
+            <a:r>
+              <a:rPr lang="en-US" sz="1400" dirty="0" err="1">
+                <a:latin typeface="Gotham HTF Light"/>
+                <a:cs typeface="Gotham HTF Light"/>
+              </a:rPr>
+              <a:t>pontos</a:t>
+            </a:r>
+            <a:r>
+              <a:rPr lang="en-US" sz="1400" dirty="0">
+                <a:latin typeface="Gotham HTF Light"/>
+                <a:cs typeface="Gotham HTF Light"/>
+              </a:rPr>
+              <a:t> pela </a:t>
+            </a:r>
+            <a:r>
+              <a:rPr lang="en-US" sz="1400" dirty="0" err="1">
+                <a:latin typeface="Gotham HTF Light"/>
+                <a:cs typeface="Gotham HTF Light"/>
+              </a:rPr>
+              <a:t>demonstração</a:t>
+            </a:r>
+            <a:r>
+              <a:rPr lang="en-US" sz="1400" dirty="0">
+                <a:latin typeface="Gotham HTF Light"/>
+                <a:cs typeface="Gotham HTF Light"/>
+              </a:rPr>
+              <a:t> do </a:t>
+            </a:r>
+            <a:r>
+              <a:rPr lang="en-US" sz="1400" dirty="0" err="1">
+                <a:latin typeface="Gotham HTF Light"/>
+                <a:cs typeface="Gotham HTF Light"/>
+              </a:rPr>
+              <a:t>projeto</a:t>
+            </a:r>
+            <a:r>
+              <a:rPr lang="en-US" sz="1400" dirty="0">
+                <a:latin typeface="Gotham HTF Light"/>
+                <a:cs typeface="Gotham HTF Light"/>
+              </a:rPr>
+              <a:t> </a:t>
+            </a:r>
+            <a:r>
+              <a:rPr lang="en-US" sz="1400" dirty="0" err="1">
+                <a:latin typeface="Gotham HTF Light"/>
+                <a:cs typeface="Gotham HTF Light"/>
+              </a:rPr>
+              <a:t>funcionando</a:t>
+            </a:r>
+            <a:r>
+              <a:rPr lang="en-US" sz="1400" dirty="0">
+                <a:latin typeface="Gotham HTF Light"/>
+                <a:cs typeface="Gotham HTF Light"/>
+              </a:rPr>
+              <a:t>;</a:t>
+            </a:r>
           </a:p>
         </p:txBody>
       </p:sp>
     </p:spTree>
     <p:extLst>
       <p:ext uri="{BB962C8B-B14F-4D97-AF65-F5344CB8AC3E}">
-        <p14:creationId xmlns:p14="http://schemas.microsoft.com/office/powerpoint/2010/main" val="160695172"/>
+        <p14:creationId xmlns:p14="http://schemas.microsoft.com/office/powerpoint/2010/main" val="2390155659"/>
       </p:ext>
     </p:extLst>
   </p:cSld>
   <p:clrMapOvr>
     <a:masterClrMapping/>
   </p:clrMapOvr>
+  <mc:AlternateContent xmlns:mc="http://schemas.openxmlformats.org/markup-compatibility/2006">
+    <mc:Choice xmlns:p14="http://schemas.microsoft.com/office/powerpoint/2010/main" Requires="p14">
+      <p:transition spd="med" p14:dur="700">
+        <p:fade/>
+      </p:transition>
+    </mc:Choice>
+    <mc:Fallback>
+      <p:transition spd="med">
+        <p:fade/>
+      </p:transition>
+    </mc:Fallback>
+  </mc:AlternateContent>
+  <p:timing>
+    <p:tnLst>
+      <p:par>
+        <p:cTn id="1" dur="indefinite" restart="never" nodeType="tmRoot">
+          <p:childTnLst>
+            <p:seq concurrent="1" nextAc="seek">
+              <p:cTn id="2" dur="indefinite" nodeType="mainSeq">
+                <p:childTnLst>
+                  <p:par>
+                    <p:cTn id="3" fill="hold">
+                      <p:stCondLst>
+                        <p:cond delay="indefinite"/>
+                      </p:stCondLst>
+                      <p:childTnLst>
+                        <p:par>
+                          <p:cTn id="4" fill="hold">
+                            <p:stCondLst>
+                              <p:cond delay="0"/>
+                            </p:stCondLst>
+                            <p:childTnLst>
+                              <p:par>
+                                <p:cTn id="5" presetID="10" presetClass="entr" presetSubtype="0" fill="hold" nodeType="clickEffect">
+                                  <p:stCondLst>
+                                    <p:cond delay="0"/>
+                                  </p:stCondLst>
+                                  <p:childTnLst>
+                                    <p:set>
+                                      <p:cBhvr>
+                                        <p:cTn id="6" dur="1" fill="hold">
+                                          <p:stCondLst>
+                                            <p:cond delay="0"/>
+                                          </p:stCondLst>
+                                        </p:cTn>
+                                        <p:tgtEl>
+                                          <p:spTgt spid="2">
+                                            <p:txEl>
+                                              <p:pRg st="0" end="0"/>
+                                            </p:txEl>
+                                          </p:spTgt>
+                                        </p:tgtEl>
+                                        <p:attrNameLst>
+                                          <p:attrName>style.visibility</p:attrName>
+                                        </p:attrNameLst>
+                                      </p:cBhvr>
+                                      <p:to>
+                                        <p:strVal val="visible"/>
+                                      </p:to>
+                                    </p:set>
+                                    <p:animEffect transition="in" filter="fade">
+                                      <p:cBhvr>
+                                        <p:cTn id="7" dur="500"/>
+                                        <p:tgtEl>
+                                          <p:spTgt spid="2">
+                                            <p:txEl>
+                                              <p:pRg st="0" end="0"/>
+                                            </p:txEl>
+                                          </p:spTgt>
+                                        </p:tgtEl>
+                                      </p:cBhvr>
+                                    </p:animEffect>
+                                  </p:childTnLst>
+                                </p:cTn>
+                              </p:par>
+                            </p:childTnLst>
+                          </p:cTn>
+                        </p:par>
+                      </p:childTnLst>
+                    </p:cTn>
+                  </p:par>
+                  <p:par>
+                    <p:cTn id="8" fill="hold">
+                      <p:stCondLst>
+                        <p:cond delay="indefinite"/>
+                      </p:stCondLst>
+                      <p:childTnLst>
+                        <p:par>
+                          <p:cTn id="9" fill="hold">
+                            <p:stCondLst>
+                              <p:cond delay="0"/>
+                            </p:stCondLst>
+                            <p:childTnLst>
+                              <p:par>
+                                <p:cTn id="10" presetID="10" presetClass="entr" presetSubtype="0" fill="hold" nodeType="clickEffect">
+                                  <p:stCondLst>
+                                    <p:cond delay="0"/>
+                                  </p:stCondLst>
+                                  <p:childTnLst>
+                                    <p:set>
+                                      <p:cBhvr>
+                                        <p:cTn id="11" dur="1" fill="hold">
+                                          <p:stCondLst>
+                                            <p:cond delay="0"/>
+                                          </p:stCondLst>
+                                        </p:cTn>
+                                        <p:tgtEl>
+                                          <p:spTgt spid="2">
+                                            <p:txEl>
+                                              <p:pRg st="1" end="1"/>
+                                            </p:txEl>
+                                          </p:spTgt>
+                                        </p:tgtEl>
+                                        <p:attrNameLst>
+                                          <p:attrName>style.visibility</p:attrName>
+                                        </p:attrNameLst>
+                                      </p:cBhvr>
+                                      <p:to>
+                                        <p:strVal val="visible"/>
+                                      </p:to>
+                                    </p:set>
+                                    <p:animEffect transition="in" filter="fade">
+                                      <p:cBhvr>
+                                        <p:cTn id="12" dur="500"/>
+                                        <p:tgtEl>
+                                          <p:spTgt spid="2">
+                                            <p:txEl>
+                                              <p:pRg st="1" end="1"/>
+                                            </p:txEl>
+                                          </p:spTgt>
+                                        </p:tgtEl>
+                                      </p:cBhvr>
+                                    </p:animEffect>
+                                  </p:childTnLst>
+                                </p:cTn>
+                              </p:par>
+                            </p:childTnLst>
+                          </p:cTn>
+                        </p:par>
+                      </p:childTnLst>
+                    </p:cTn>
+                  </p:par>
+                  <p:par>
+                    <p:cTn id="13" fill="hold">
+                      <p:stCondLst>
+                        <p:cond delay="indefinite"/>
+                      </p:stCondLst>
+                      <p:childTnLst>
+                        <p:par>
+                          <p:cTn id="14" fill="hold">
+                            <p:stCondLst>
+                              <p:cond delay="0"/>
+                            </p:stCondLst>
+                            <p:childTnLst>
+                              <p:par>
+                                <p:cTn id="15" presetID="10" presetClass="entr" presetSubtype="0" fill="hold" nodeType="clickEffect">
+                                  <p:stCondLst>
+                                    <p:cond delay="0"/>
+                                  </p:stCondLst>
+                                  <p:childTnLst>
+                                    <p:set>
+                                      <p:cBhvr>
+                                        <p:cTn id="16" dur="1" fill="hold">
+                                          <p:stCondLst>
+                                            <p:cond delay="0"/>
+                                          </p:stCondLst>
+                                        </p:cTn>
+                                        <p:tgtEl>
+                                          <p:spTgt spid="2">
+                                            <p:txEl>
+                                              <p:pRg st="2" end="2"/>
+                                            </p:txEl>
+                                          </p:spTgt>
+                                        </p:tgtEl>
+                                        <p:attrNameLst>
+                                          <p:attrName>style.visibility</p:attrName>
+                                        </p:attrNameLst>
+                                      </p:cBhvr>
+                                      <p:to>
+                                        <p:strVal val="visible"/>
+                                      </p:to>
+                                    </p:set>
+                                    <p:animEffect transition="in" filter="fade">
+                                      <p:cBhvr>
+                                        <p:cTn id="17" dur="500"/>
+                                        <p:tgtEl>
+                                          <p:spTgt spid="2">
+                                            <p:txEl>
+                                              <p:pRg st="2" end="2"/>
+                                            </p:txEl>
+                                          </p:spTgt>
+                                        </p:tgtEl>
+                                      </p:cBhvr>
+                                    </p:animEffect>
+                                  </p:childTnLst>
+                                </p:cTn>
+                              </p:par>
+                            </p:childTnLst>
+                          </p:cTn>
+                        </p:par>
+                      </p:childTnLst>
+                    </p:cTn>
+                  </p:par>
+                  <p:par>
+                    <p:cTn id="18" fill="hold">
+                      <p:stCondLst>
+                        <p:cond delay="indefinite"/>
+                      </p:stCondLst>
+                      <p:childTnLst>
+                        <p:par>
+                          <p:cTn id="19" fill="hold">
+                            <p:stCondLst>
+                              <p:cond delay="0"/>
+                            </p:stCondLst>
+                            <p:childTnLst>
+                              <p:par>
+                                <p:cTn id="20" presetID="10" presetClass="entr" presetSubtype="0" fill="hold" nodeType="clickEffect">
+                                  <p:stCondLst>
+                                    <p:cond delay="0"/>
+                                  </p:stCondLst>
+                                  <p:childTnLst>
+                                    <p:set>
+                                      <p:cBhvr>
+                                        <p:cTn id="21" dur="1" fill="hold">
+                                          <p:stCondLst>
+                                            <p:cond delay="0"/>
+                                          </p:stCondLst>
+                                        </p:cTn>
+                                        <p:tgtEl>
+                                          <p:spTgt spid="2">
+                                            <p:txEl>
+                                              <p:pRg st="3" end="3"/>
+                                            </p:txEl>
+                                          </p:spTgt>
+                                        </p:tgtEl>
+                                        <p:attrNameLst>
+                                          <p:attrName>style.visibility</p:attrName>
+                                        </p:attrNameLst>
+                                      </p:cBhvr>
+                                      <p:to>
+                                        <p:strVal val="visible"/>
+                                      </p:to>
+                                    </p:set>
+                                    <p:animEffect transition="in" filter="fade">
+                                      <p:cBhvr>
+                                        <p:cTn id="22" dur="500"/>
+                                        <p:tgtEl>
+                                          <p:spTgt spid="2">
+                                            <p:txEl>
+                                              <p:pRg st="3" end="3"/>
+                                            </p:txEl>
+                                          </p:spTgt>
+                                        </p:tgtEl>
+                                      </p:cBhvr>
+                                    </p:animEffect>
+                                  </p:childTnLst>
+                                </p:cTn>
+                              </p:par>
+                            </p:childTnLst>
+                          </p:cTn>
+                        </p:par>
+                      </p:childTnLst>
+                    </p:cTn>
+                  </p:par>
+                  <p:par>
+                    <p:cTn id="23" fill="hold">
+                      <p:stCondLst>
+                        <p:cond delay="indefinite"/>
+                      </p:stCondLst>
+                      <p:childTnLst>
+                        <p:par>
+                          <p:cTn id="24" fill="hold">
+                            <p:stCondLst>
+                              <p:cond delay="0"/>
+                            </p:stCondLst>
+                            <p:childTnLst>
+                              <p:par>
+                                <p:cTn id="25" presetID="10" presetClass="entr" presetSubtype="0" fill="hold" nodeType="clickEffect">
+                                  <p:stCondLst>
+                                    <p:cond delay="0"/>
+                                  </p:stCondLst>
+                                  <p:childTnLst>
+                                    <p:set>
+                                      <p:cBhvr>
+                                        <p:cTn id="26" dur="1" fill="hold">
+                                          <p:stCondLst>
+                                            <p:cond delay="0"/>
+                                          </p:stCondLst>
+                                        </p:cTn>
+                                        <p:tgtEl>
+                                          <p:spTgt spid="2">
+                                            <p:txEl>
+                                              <p:pRg st="4" end="4"/>
+                                            </p:txEl>
+                                          </p:spTgt>
+                                        </p:tgtEl>
+                                        <p:attrNameLst>
+                                          <p:attrName>style.visibility</p:attrName>
+                                        </p:attrNameLst>
+                                      </p:cBhvr>
+                                      <p:to>
+                                        <p:strVal val="visible"/>
+                                      </p:to>
+                                    </p:set>
+                                    <p:animEffect transition="in" filter="fade">
+                                      <p:cBhvr>
+                                        <p:cTn id="27" dur="500"/>
+                                        <p:tgtEl>
+                                          <p:spTgt spid="2">
+                                            <p:txEl>
+                                              <p:pRg st="4" end="4"/>
+                                            </p:txEl>
+                                          </p:spTgt>
+                                        </p:tgtEl>
+                                      </p:cBhvr>
+                                    </p:animEffect>
+                                  </p:childTnLst>
+                                </p:cTn>
+                              </p:par>
+                            </p:childTnLst>
+                          </p:cTn>
+                        </p:par>
+                      </p:childTnLst>
+                    </p:cTn>
+                  </p:par>
+                  <p:par>
+                    <p:cTn id="28" fill="hold">
+                      <p:stCondLst>
+                        <p:cond delay="indefinite"/>
+                      </p:stCondLst>
+                      <p:childTnLst>
+                        <p:par>
+                          <p:cTn id="29" fill="hold">
+                            <p:stCondLst>
+                              <p:cond delay="0"/>
+                            </p:stCondLst>
+                            <p:childTnLst>
+                              <p:par>
+                                <p:cTn id="30" presetID="10" presetClass="entr" presetSubtype="0" fill="hold" nodeType="clickEffect">
+                                  <p:stCondLst>
+                                    <p:cond delay="0"/>
+                                  </p:stCondLst>
+                                  <p:childTnLst>
+                                    <p:set>
+                                      <p:cBhvr>
+                                        <p:cTn id="31" dur="1" fill="hold">
+                                          <p:stCondLst>
+                                            <p:cond delay="0"/>
+                                          </p:stCondLst>
+                                        </p:cTn>
+                                        <p:tgtEl>
+                                          <p:spTgt spid="2">
+                                            <p:txEl>
+                                              <p:pRg st="5" end="5"/>
+                                            </p:txEl>
+                                          </p:spTgt>
+                                        </p:tgtEl>
+                                        <p:attrNameLst>
+                                          <p:attrName>style.visibility</p:attrName>
+                                        </p:attrNameLst>
+                                      </p:cBhvr>
+                                      <p:to>
+                                        <p:strVal val="visible"/>
+                                      </p:to>
+                                    </p:set>
+                                    <p:animEffect transition="in" filter="fade">
+                                      <p:cBhvr>
+                                        <p:cTn id="32" dur="500"/>
+                                        <p:tgtEl>
+                                          <p:spTgt spid="2">
+                                            <p:txEl>
+                                              <p:pRg st="5" end="5"/>
+                                            </p:txEl>
+                                          </p:spTgt>
+                                        </p:tgtEl>
+                                      </p:cBhvr>
+                                    </p:animEffect>
+                                  </p:childTnLst>
+                                </p:cTn>
+                              </p:par>
+                            </p:childTnLst>
+                          </p:cTn>
+                        </p:par>
+                      </p:childTnLst>
+                    </p:cTn>
+                  </p:par>
+                  <p:par>
+                    <p:cTn id="33" fill="hold">
+                      <p:stCondLst>
+                        <p:cond delay="indefinite"/>
+                      </p:stCondLst>
+                      <p:childTnLst>
+                        <p:par>
+                          <p:cTn id="34" fill="hold">
+                            <p:stCondLst>
+                              <p:cond delay="0"/>
+                            </p:stCondLst>
+                            <p:childTnLst>
+                              <p:par>
+                                <p:cTn id="35" presetID="10" presetClass="entr" presetSubtype="0" fill="hold" nodeType="clickEffect">
+                                  <p:stCondLst>
+                                    <p:cond delay="0"/>
+                                  </p:stCondLst>
+                                  <p:childTnLst>
+                                    <p:set>
+                                      <p:cBhvr>
+                                        <p:cTn id="36" dur="1" fill="hold">
+                                          <p:stCondLst>
+                                            <p:cond delay="0"/>
+                                          </p:stCondLst>
+                                        </p:cTn>
+                                        <p:tgtEl>
+                                          <p:spTgt spid="2">
+                                            <p:txEl>
+                                              <p:pRg st="6" end="6"/>
+                                            </p:txEl>
+                                          </p:spTgt>
+                                        </p:tgtEl>
+                                        <p:attrNameLst>
+                                          <p:attrName>style.visibility</p:attrName>
+                                        </p:attrNameLst>
+                                      </p:cBhvr>
+                                      <p:to>
+                                        <p:strVal val="visible"/>
+                                      </p:to>
+                                    </p:set>
+                                    <p:animEffect transition="in" filter="fade">
+                                      <p:cBhvr>
+                                        <p:cTn id="37" dur="500"/>
+                                        <p:tgtEl>
+                                          <p:spTgt spid="2">
+                                            <p:txEl>
+                                              <p:pRg st="6" end="6"/>
+                                            </p:txEl>
+                                          </p:spTgt>
+                                        </p:tgtEl>
+                                      </p:cBhvr>
+                                    </p:animEffect>
+                                  </p:childTnLst>
+                                </p:cTn>
+                              </p:par>
+                            </p:childTnLst>
+                          </p:cTn>
+                        </p:par>
+                      </p:childTnLst>
+                    </p:cTn>
+                  </p:par>
+                  <p:par>
+                    <p:cTn id="38" fill="hold">
+                      <p:stCondLst>
+                        <p:cond delay="indefinite"/>
+                      </p:stCondLst>
+                      <p:childTnLst>
+                        <p:par>
+                          <p:cTn id="39" fill="hold">
+                            <p:stCondLst>
+                              <p:cond delay="0"/>
+                            </p:stCondLst>
+                            <p:childTnLst>
+                              <p:par>
+                                <p:cTn id="40" presetID="10" presetClass="entr" presetSubtype="0" fill="hold" nodeType="clickEffect">
+                                  <p:stCondLst>
+                                    <p:cond delay="0"/>
+                                  </p:stCondLst>
+                                  <p:childTnLst>
+                                    <p:set>
+                                      <p:cBhvr>
+                                        <p:cTn id="41" dur="1" fill="hold">
+                                          <p:stCondLst>
+                                            <p:cond delay="0"/>
+                                          </p:stCondLst>
+                                        </p:cTn>
+                                        <p:tgtEl>
+                                          <p:spTgt spid="2">
+                                            <p:txEl>
+                                              <p:pRg st="7" end="7"/>
+                                            </p:txEl>
+                                          </p:spTgt>
+                                        </p:tgtEl>
+                                        <p:attrNameLst>
+                                          <p:attrName>style.visibility</p:attrName>
+                                        </p:attrNameLst>
+                                      </p:cBhvr>
+                                      <p:to>
+                                        <p:strVal val="visible"/>
+                                      </p:to>
+                                    </p:set>
+                                    <p:animEffect transition="in" filter="fade">
+                                      <p:cBhvr>
+                                        <p:cTn id="42" dur="500"/>
+                                        <p:tgtEl>
+                                          <p:spTgt spid="2">
+                                            <p:txEl>
+                                              <p:pRg st="7" end="7"/>
+                                            </p:txEl>
+                                          </p:spTgt>
+                                        </p:tgtEl>
+                                      </p:cBhvr>
+                                    </p:animEffect>
+                                  </p:childTnLst>
+                                </p:cTn>
+                              </p:par>
+                            </p:childTnLst>
+                          </p:cTn>
+                        </p:par>
+                      </p:childTnLst>
+                    </p:cTn>
+                  </p:par>
+                  <p:par>
+                    <p:cTn id="43" fill="hold">
+                      <p:stCondLst>
+                        <p:cond delay="indefinite"/>
+                      </p:stCondLst>
+                      <p:childTnLst>
+                        <p:par>
+                          <p:cTn id="44" fill="hold">
+                            <p:stCondLst>
+                              <p:cond delay="0"/>
+                            </p:stCondLst>
+                            <p:childTnLst>
+                              <p:par>
+                                <p:cTn id="45" presetID="10" presetClass="entr" presetSubtype="0" fill="hold" nodeType="clickEffect">
+                                  <p:stCondLst>
+                                    <p:cond delay="0"/>
+                                  </p:stCondLst>
+                                  <p:childTnLst>
+                                    <p:set>
+                                      <p:cBhvr>
+                                        <p:cTn id="46" dur="1" fill="hold">
+                                          <p:stCondLst>
+                                            <p:cond delay="0"/>
+                                          </p:stCondLst>
+                                        </p:cTn>
+                                        <p:tgtEl>
+                                          <p:spTgt spid="2">
+                                            <p:txEl>
+                                              <p:pRg st="8" end="8"/>
+                                            </p:txEl>
+                                          </p:spTgt>
+                                        </p:tgtEl>
+                                        <p:attrNameLst>
+                                          <p:attrName>style.visibility</p:attrName>
+                                        </p:attrNameLst>
+                                      </p:cBhvr>
+                                      <p:to>
+                                        <p:strVal val="visible"/>
+                                      </p:to>
+                                    </p:set>
+                                    <p:animEffect transition="in" filter="fade">
+                                      <p:cBhvr>
+                                        <p:cTn id="47" dur="500"/>
+                                        <p:tgtEl>
+                                          <p:spTgt spid="2">
+                                            <p:txEl>
+                                              <p:pRg st="8" end="8"/>
+                                            </p:txEl>
+                                          </p:spTgt>
+                                        </p:tgtEl>
+                                      </p:cBhvr>
+                                    </p:animEffect>
+                                  </p:childTnLst>
+                                </p:cTn>
+                              </p:par>
+                            </p:childTnLst>
+                          </p:cTn>
+                        </p:par>
+                      </p:childTnLst>
+                    </p:cTn>
+                  </p:par>
+                  <p:par>
+                    <p:cTn id="48" fill="hold">
+                      <p:stCondLst>
+                        <p:cond delay="indefinite"/>
+                      </p:stCondLst>
+                      <p:childTnLst>
+                        <p:par>
+                          <p:cTn id="49" fill="hold">
+                            <p:stCondLst>
+                              <p:cond delay="0"/>
+                            </p:stCondLst>
+                            <p:childTnLst>
+                              <p:par>
+                                <p:cTn id="50" presetID="10" presetClass="entr" presetSubtype="0" fill="hold" nodeType="clickEffect">
+                                  <p:stCondLst>
+                                    <p:cond delay="0"/>
+                                  </p:stCondLst>
+                                  <p:childTnLst>
+                                    <p:set>
+                                      <p:cBhvr>
+                                        <p:cTn id="51" dur="1" fill="hold">
+                                          <p:stCondLst>
+                                            <p:cond delay="0"/>
+                                          </p:stCondLst>
+                                        </p:cTn>
+                                        <p:tgtEl>
+                                          <p:spTgt spid="2">
+                                            <p:txEl>
+                                              <p:pRg st="9" end="9"/>
+                                            </p:txEl>
+                                          </p:spTgt>
+                                        </p:tgtEl>
+                                        <p:attrNameLst>
+                                          <p:attrName>style.visibility</p:attrName>
+                                        </p:attrNameLst>
+                                      </p:cBhvr>
+                                      <p:to>
+                                        <p:strVal val="visible"/>
+                                      </p:to>
+                                    </p:set>
+                                    <p:animEffect transition="in" filter="fade">
+                                      <p:cBhvr>
+                                        <p:cTn id="52" dur="500"/>
+                                        <p:tgtEl>
+                                          <p:spTgt spid="2">
+                                            <p:txEl>
+                                              <p:pRg st="9" end="9"/>
+                                            </p:txEl>
+                                          </p:spTgt>
+                                        </p:tgtEl>
+                                      </p:cBhvr>
+                                    </p:animEffect>
+                                  </p:childTnLst>
+                                </p:cTn>
+                              </p:par>
+                            </p:childTnLst>
+                          </p:cTn>
+                        </p:par>
+                      </p:childTnLst>
+                    </p:cTn>
+                  </p:par>
+                  <p:par>
+                    <p:cTn id="53" fill="hold">
+                      <p:stCondLst>
+                        <p:cond delay="indefinite"/>
+                      </p:stCondLst>
+                      <p:childTnLst>
+                        <p:par>
+                          <p:cTn id="54" fill="hold">
+                            <p:stCondLst>
+                              <p:cond delay="0"/>
+                            </p:stCondLst>
+                            <p:childTnLst>
+                              <p:par>
+                                <p:cTn id="55" presetID="10" presetClass="entr" presetSubtype="0" fill="hold" nodeType="clickEffect">
+                                  <p:stCondLst>
+                                    <p:cond delay="0"/>
+                                  </p:stCondLst>
+                                  <p:childTnLst>
+                                    <p:set>
+                                      <p:cBhvr>
+                                        <p:cTn id="56" dur="1" fill="hold">
+                                          <p:stCondLst>
+                                            <p:cond delay="0"/>
+                                          </p:stCondLst>
+                                        </p:cTn>
+                                        <p:tgtEl>
+                                          <p:spTgt spid="2">
+                                            <p:txEl>
+                                              <p:pRg st="10" end="10"/>
+                                            </p:txEl>
+                                          </p:spTgt>
+                                        </p:tgtEl>
+                                        <p:attrNameLst>
+                                          <p:attrName>style.visibility</p:attrName>
+                                        </p:attrNameLst>
+                                      </p:cBhvr>
+                                      <p:to>
+                                        <p:strVal val="visible"/>
+                                      </p:to>
+                                    </p:set>
+                                    <p:animEffect transition="in" filter="fade">
+                                      <p:cBhvr>
+                                        <p:cTn id="57" dur="500"/>
+                                        <p:tgtEl>
+                                          <p:spTgt spid="2">
+                                            <p:txEl>
+                                              <p:pRg st="10" end="10"/>
+                                            </p:txEl>
+                                          </p:spTgt>
+                                        </p:tgtEl>
+                                      </p:cBhvr>
+                                    </p:animEffect>
+                                  </p:childTnLst>
+                                </p:cTn>
+                              </p:par>
+                            </p:childTnLst>
+                          </p:cTn>
+                        </p:par>
+                      </p:childTnLst>
+                    </p:cTn>
+                  </p:par>
+                  <p:par>
+                    <p:cTn id="58" fill="hold">
+                      <p:stCondLst>
+                        <p:cond delay="indefinite"/>
+                      </p:stCondLst>
+                      <p:childTnLst>
+                        <p:par>
+                          <p:cTn id="59" fill="hold">
+                            <p:stCondLst>
+                              <p:cond delay="0"/>
+                            </p:stCondLst>
+                            <p:childTnLst>
+                              <p:par>
+                                <p:cTn id="60" presetID="10" presetClass="entr" presetSubtype="0" fill="hold" nodeType="clickEffect">
+                                  <p:stCondLst>
+                                    <p:cond delay="0"/>
+                                  </p:stCondLst>
+                                  <p:childTnLst>
+                                    <p:set>
+                                      <p:cBhvr>
+                                        <p:cTn id="61" dur="1" fill="hold">
+                                          <p:stCondLst>
+                                            <p:cond delay="0"/>
+                                          </p:stCondLst>
+                                        </p:cTn>
+                                        <p:tgtEl>
+                                          <p:spTgt spid="2">
+                                            <p:txEl>
+                                              <p:pRg st="11" end="11"/>
+                                            </p:txEl>
+                                          </p:spTgt>
+                                        </p:tgtEl>
+                                        <p:attrNameLst>
+                                          <p:attrName>style.visibility</p:attrName>
+                                        </p:attrNameLst>
+                                      </p:cBhvr>
+                                      <p:to>
+                                        <p:strVal val="visible"/>
+                                      </p:to>
+                                    </p:set>
+                                    <p:animEffect transition="in" filter="fade">
+                                      <p:cBhvr>
+                                        <p:cTn id="62" dur="500"/>
+                                        <p:tgtEl>
+                                          <p:spTgt spid="2">
+                                            <p:txEl>
+                                              <p:pRg st="11" end="11"/>
+                                            </p:txEl>
+                                          </p:spTgt>
+                                        </p:tgtEl>
+                                      </p:cBhvr>
+                                    </p:animEffect>
+                                  </p:childTnLst>
+                                </p:cTn>
+                              </p:par>
+                            </p:childTnLst>
+                          </p:cTn>
+                        </p:par>
+                      </p:childTnLst>
+                    </p:cTn>
+                  </p:par>
+                </p:childTnLst>
+              </p:cTn>
+              <p:prevCondLst>
+                <p:cond evt="onPrev" delay="0">
+                  <p:tgtEl>
+                    <p:sldTgt/>
+                  </p:tgtEl>
+                </p:cond>
+              </p:prevCondLst>
+              <p:nextCondLst>
+                <p:cond evt="onNext" delay="0">
+                  <p:tgtEl>
+                    <p:sldTgt/>
+                  </p:tgtEl>
+                </p:cond>
+              </p:nextCondLst>
+            </p:seq>
+          </p:childTnLst>
+        </p:cTn>
+      </p:par>
+    </p:tnLst>
+  </p:timing>
 </p:sld>
 </file>
 
 <file path=ppt/slides/slide7.xml><?xml version="1.0" encoding="utf-8"?>
-<p:sld xmlns:a="http://schemas.openxmlformats.org/drawingml/2006/main" xmlns:r="http://schemas.openxmlformats.org/officeDocument/2006/relationships" xmlns:p="http://schemas.openxmlformats.org/presentationml/2006/main">
+<p:sld xmlns:a="http://schemas.openxmlformats.org/drawingml/2006/main" xmlns:r="http://schemas.openxmlformats.org/officeDocument/2006/relationships" xmlns:p="http://schemas.openxmlformats.org/presentationml/2006/main" show="0">
   <p:cSld>
     <p:spTree>
       <p:nvGrpSpPr>
@@ -9078,7 +10424,7 @@
 </file>
 
 <file path=ppt/slides/slide8.xml><?xml version="1.0" encoding="utf-8"?>
-<p:sld xmlns:a="http://schemas.openxmlformats.org/drawingml/2006/main" xmlns:r="http://schemas.openxmlformats.org/officeDocument/2006/relationships" xmlns:p="http://schemas.openxmlformats.org/presentationml/2006/main">
+<p:sld xmlns:a="http://schemas.openxmlformats.org/drawingml/2006/main" xmlns:r="http://schemas.openxmlformats.org/officeDocument/2006/relationships" xmlns:p="http://schemas.openxmlformats.org/presentationml/2006/main" show="0">
   <p:cSld>
     <p:spTree>
       <p:nvGrpSpPr>

--- a/1º Semestre/Checkpoint 01/Edge Computing - CP01.pptx
+++ b/1º Semestre/Checkpoint 01/Edge Computing - CP01.pptx
@@ -6,7 +6,7 @@
     <p:sldMasterId id="2147483699" r:id="rId2"/>
   </p:sldMasterIdLst>
   <p:notesMasterIdLst>
-    <p:notesMasterId r:id="rId12"/>
+    <p:notesMasterId r:id="rId11"/>
   </p:notesMasterIdLst>
   <p:sldIdLst>
     <p:sldId id="398" r:id="rId3"/>
@@ -15,9 +15,8 @@
     <p:sldId id="825" r:id="rId6"/>
     <p:sldId id="826" r:id="rId7"/>
     <p:sldId id="829" r:id="rId8"/>
-    <p:sldId id="815" r:id="rId9"/>
-    <p:sldId id="828" r:id="rId10"/>
-    <p:sldId id="812" r:id="rId11"/>
+    <p:sldId id="828" r:id="rId9"/>
+    <p:sldId id="812" r:id="rId10"/>
   </p:sldIdLst>
   <p:sldSz cx="9144000" cy="6858000" type="screen4x3"/>
   <p:notesSz cx="6858000" cy="9144000"/>
@@ -218,7 +217,7 @@
             <a:fld id="{4EA5E1ED-E65E-440E-8A4B-5F5DC973F797}" type="datetimeFigureOut">
               <a:rPr lang="pt-BR" smtClean="0"/>
               <a:pPr/>
-              <a:t>04/09/2023</a:t>
+              <a:t>03/01/2024</a:t>
             </a:fld>
             <a:endParaRPr lang="pt-BR"/>
           </a:p>
@@ -635,7 +634,7 @@
           <a:p>
             <a:fld id="{1787AD07-0C2A-424C-83EF-FCCF4A0D3BA0}" type="datetime1">
               <a:rPr lang="pt-BR" smtClean="0"/>
-              <a:t>04/09/2023</a:t>
+              <a:t>03/01/2024</a:t>
             </a:fld>
             <a:endParaRPr lang="pt-BR"/>
           </a:p>
@@ -804,7 +803,7 @@
           <a:p>
             <a:fld id="{2F92FB66-59C8-46A5-AD82-5DAAFD2DC390}" type="datetime1">
               <a:rPr lang="pt-BR" smtClean="0"/>
-              <a:t>04/09/2023</a:t>
+              <a:t>03/01/2024</a:t>
             </a:fld>
             <a:endParaRPr lang="pt-BR"/>
           </a:p>
@@ -983,7 +982,7 @@
           <a:p>
             <a:fld id="{3D5CC8D2-C61E-4471-AD68-1C0D45A8EAFC}" type="datetime1">
               <a:rPr lang="pt-BR" smtClean="0"/>
-              <a:t>04/09/2023</a:t>
+              <a:t>03/01/2024</a:t>
             </a:fld>
             <a:endParaRPr lang="pt-BR"/>
           </a:p>
@@ -1126,7 +1125,7 @@
           <a:p>
             <a:fld id="{C3E38981-C08A-4A29-B885-392FB4EE0709}" type="datetime1">
               <a:rPr lang="pt-BR" smtClean="0"/>
-              <a:t>04/09/2023</a:t>
+              <a:t>03/01/2024</a:t>
             </a:fld>
             <a:endParaRPr lang="en-US" dirty="0"/>
           </a:p>
@@ -1511,7 +1510,7 @@
           <a:p>
             <a:fld id="{2CFE63D7-5B4A-40A4-8FD4-EA63D1010EB7}" type="datetime1">
               <a:rPr lang="pt-BR" smtClean="0"/>
-              <a:t>04/09/2023</a:t>
+              <a:t>03/01/2024</a:t>
             </a:fld>
             <a:endParaRPr lang="en-US" dirty="0"/>
           </a:p>
@@ -1733,7 +1732,7 @@
           <a:p>
             <a:fld id="{A9719147-5557-4D76-A2C3-BF25882771D2}" type="datetime1">
               <a:rPr lang="pt-BR" smtClean="0"/>
-              <a:t>04/09/2023</a:t>
+              <a:t>03/01/2024</a:t>
             </a:fld>
             <a:endParaRPr lang="en-US" dirty="0"/>
           </a:p>
@@ -2046,7 +2045,7 @@
           <a:p>
             <a:fld id="{66250340-7104-44A8-88A9-88532CCE9C1C}" type="datetime1">
               <a:rPr lang="pt-BR" smtClean="0"/>
-              <a:t>04/09/2023</a:t>
+              <a:t>03/01/2024</a:t>
             </a:fld>
             <a:endParaRPr lang="en-US" dirty="0"/>
           </a:p>
@@ -2231,7 +2230,7 @@
           <a:p>
             <a:fld id="{D047EA32-7810-48BE-A9BB-EA3D8AA5AD34}" type="datetime1">
               <a:rPr lang="pt-BR" smtClean="0"/>
-              <a:t>04/09/2023</a:t>
+              <a:t>03/01/2024</a:t>
             </a:fld>
             <a:endParaRPr lang="en-US" dirty="0"/>
           </a:p>
@@ -2379,7 +2378,7 @@
           <a:p>
             <a:fld id="{7C28E9E9-B91F-400E-BE43-87BB4B5C6F4E}" type="datetime1">
               <a:rPr lang="pt-BR" smtClean="0"/>
-              <a:t>04/09/2023</a:t>
+              <a:t>03/01/2024</a:t>
             </a:fld>
             <a:endParaRPr lang="en-US" dirty="0"/>
           </a:p>
@@ -2631,7 +2630,7 @@
           <a:p>
             <a:fld id="{A9E773EA-BFD5-41D4-8CCD-2C9F67DAB481}" type="datetime1">
               <a:rPr lang="pt-BR" smtClean="0"/>
-              <a:t>04/09/2023</a:t>
+              <a:t>03/01/2024</a:t>
             </a:fld>
             <a:endParaRPr lang="pt-BR" dirty="0"/>
           </a:p>
@@ -2833,7 +2832,7 @@
           <a:p>
             <a:fld id="{DAA7C8B6-CF57-4A95-AF6C-A77E6C230ED3}" type="datetime1">
               <a:rPr lang="pt-BR" smtClean="0"/>
-              <a:t>04/09/2023</a:t>
+              <a:t>03/01/2024</a:t>
             </a:fld>
             <a:endParaRPr lang="pt-BR"/>
           </a:p>
@@ -3117,7 +3116,7 @@
           <a:p>
             <a:fld id="{34D50989-24C8-4023-9B0D-A6D249548FD9}" type="datetime1">
               <a:rPr lang="pt-BR" smtClean="0"/>
-              <a:t>04/09/2023</a:t>
+              <a:t>03/01/2024</a:t>
             </a:fld>
             <a:endParaRPr lang="pt-BR"/>
           </a:p>
@@ -3353,7 +3352,7 @@
           <a:p>
             <a:fld id="{8D9BC96A-9776-4585-A439-BC9E2DA226C1}" type="datetime1">
               <a:rPr lang="pt-BR" smtClean="0"/>
-              <a:t>04/09/2023</a:t>
+              <a:t>03/01/2024</a:t>
             </a:fld>
             <a:endParaRPr lang="pt-BR"/>
           </a:p>
@@ -3736,7 +3735,7 @@
           <a:p>
             <a:fld id="{7D12BE36-2922-4567-BD67-201EFA21BF6D}" type="datetime1">
               <a:rPr lang="pt-BR" smtClean="0"/>
-              <a:t>04/09/2023</a:t>
+              <a:t>03/01/2024</a:t>
             </a:fld>
             <a:endParaRPr lang="pt-BR"/>
           </a:p>
@@ -3848,7 +3847,7 @@
           <a:p>
             <a:fld id="{E5B462A9-4B1E-4013-BFB1-FC92225AC2F2}" type="datetime1">
               <a:rPr lang="pt-BR" smtClean="0"/>
-              <a:t>04/09/2023</a:t>
+              <a:t>03/01/2024</a:t>
             </a:fld>
             <a:endParaRPr lang="pt-BR"/>
           </a:p>
@@ -3932,7 +3931,7 @@
           <a:p>
             <a:fld id="{D0E6EC7A-67E7-4978-9BAE-C8F82A40B13B}" type="datetime1">
               <a:rPr lang="pt-BR" smtClean="0"/>
-              <a:t>04/09/2023</a:t>
+              <a:t>03/01/2024</a:t>
             </a:fld>
             <a:endParaRPr lang="pt-BR"/>
           </a:p>
@@ -4214,7 +4213,7 @@
           <a:p>
             <a:fld id="{6E085A4E-80B8-47DD-9D9B-8E1B205CBB30}" type="datetime1">
               <a:rPr lang="pt-BR" smtClean="0"/>
-              <a:t>04/09/2023</a:t>
+              <a:t>03/01/2024</a:t>
             </a:fld>
             <a:endParaRPr lang="pt-BR"/>
           </a:p>
@@ -4473,7 +4472,7 @@
           <a:p>
             <a:fld id="{F4E9A02C-D9AD-4B8C-9B93-B0980E8E86EB}" type="datetime1">
               <a:rPr lang="pt-BR" smtClean="0"/>
-              <a:t>04/09/2023</a:t>
+              <a:t>03/01/2024</a:t>
             </a:fld>
             <a:endParaRPr lang="pt-BR"/>
           </a:p>
@@ -4685,7 +4684,7 @@
           <a:p>
             <a:fld id="{202762D0-3A59-4B14-83BA-8E0FC8A60AB1}" type="datetime1">
               <a:rPr lang="pt-BR" smtClean="0"/>
-              <a:t>04/09/2023</a:t>
+              <a:t>03/01/2024</a:t>
             </a:fld>
             <a:endParaRPr lang="pt-BR"/>
           </a:p>
@@ -9084,13 +9083,13 @@
   <p:clrMapOvr>
     <a:masterClrMapping/>
   </p:clrMapOvr>
-  <mc:AlternateContent xmlns:mc="http://schemas.openxmlformats.org/markup-compatibility/2006">
-    <mc:Choice xmlns:p14="http://schemas.microsoft.com/office/powerpoint/2010/main" Requires="p14">
+  <mc:AlternateContent xmlns:mc="http://schemas.openxmlformats.org/markup-compatibility/2006" xmlns:p14="http://schemas.microsoft.com/office/powerpoint/2010/main">
+    <mc:Choice Requires="p14">
       <p:transition spd="med" p14:dur="700">
         <p:fade/>
       </p:transition>
     </mc:Choice>
-    <mc:Fallback>
+    <mc:Fallback xmlns="">
       <p:transition spd="med">
         <p:fade/>
       </p:transition>
@@ -9914,568 +9913,6 @@
                 <a:latin typeface="Gotham HTF" pitchFamily="50" charset="0"/>
                 <a:cs typeface="Gotham HTF Light"/>
               </a:rPr>
-              <a:t>Avaliação</a:t>
-            </a:r>
-          </a:p>
-        </p:txBody>
-      </p:sp>
-      <p:sp>
-        <p:nvSpPr>
-          <p:cNvPr id="2" name="CaixaDeTexto 1">
-            <a:extLst>
-              <a:ext uri="{FF2B5EF4-FFF2-40B4-BE49-F238E27FC236}">
-                <a16:creationId xmlns:a16="http://schemas.microsoft.com/office/drawing/2014/main" id="{796C8AA8-C3FA-2B50-C01C-439554D2CA64}"/>
-              </a:ext>
-            </a:extLst>
-          </p:cNvPr>
-          <p:cNvSpPr txBox="1"/>
-          <p:nvPr/>
-        </p:nvSpPr>
-        <p:spPr>
-          <a:xfrm>
-            <a:off x="611560" y="764704"/>
-            <a:ext cx="8280920" cy="4661276"/>
-          </a:xfrm>
-          <a:prstGeom prst="rect">
-            <a:avLst/>
-          </a:prstGeom>
-          <a:noFill/>
-        </p:spPr>
-        <p:txBody>
-          <a:bodyPr wrap="square">
-            <a:spAutoFit/>
-          </a:bodyPr>
-          <a:lstStyle/>
-          <a:p>
-            <a:pPr marL="457200" indent="-457200">
-              <a:lnSpc>
-                <a:spcPct val="150000"/>
-              </a:lnSpc>
-              <a:buFont typeface="Wingdings" panose="05000000000000000000" pitchFamily="2" charset="2"/>
-              <a:buChar char="v"/>
-            </a:pPr>
-            <a:r>
-              <a:rPr lang="en-US" sz="2000" dirty="0" err="1">
-                <a:solidFill>
-                  <a:srgbClr val="ED265B"/>
-                </a:solidFill>
-                <a:latin typeface="Gotham HTF Light"/>
-                <a:cs typeface="Gotham HTF Light"/>
-              </a:rPr>
-              <a:t>Serão</a:t>
-            </a:r>
-            <a:r>
-              <a:rPr lang="en-US" sz="2000" dirty="0">
-                <a:solidFill>
-                  <a:srgbClr val="ED265B"/>
-                </a:solidFill>
-                <a:latin typeface="Gotham HTF Light"/>
-                <a:cs typeface="Gotham HTF Light"/>
-              </a:rPr>
-              <a:t> um total de 10 </a:t>
-            </a:r>
-            <a:r>
-              <a:rPr lang="en-US" sz="2000" dirty="0" err="1">
-                <a:solidFill>
-                  <a:srgbClr val="ED265B"/>
-                </a:solidFill>
-                <a:latin typeface="Gotham HTF Light"/>
-                <a:cs typeface="Gotham HTF Light"/>
-              </a:rPr>
-              <a:t>Pontos</a:t>
-            </a:r>
-            <a:r>
-              <a:rPr lang="en-US" sz="2000" dirty="0">
-                <a:solidFill>
-                  <a:srgbClr val="ED265B"/>
-                </a:solidFill>
-                <a:latin typeface="Gotham HTF Light"/>
-                <a:cs typeface="Gotham HTF Light"/>
-              </a:rPr>
-              <a:t>:</a:t>
-            </a:r>
-          </a:p>
-          <a:p>
-            <a:pPr marL="457200" indent="-457200">
-              <a:lnSpc>
-                <a:spcPct val="150000"/>
-              </a:lnSpc>
-              <a:buFont typeface="Wingdings" panose="05000000000000000000" pitchFamily="2" charset="2"/>
-              <a:buChar char="v"/>
-            </a:pPr>
-            <a:endParaRPr lang="en-US" sz="2000" dirty="0">
-              <a:solidFill>
-                <a:srgbClr val="ED265B"/>
-              </a:solidFill>
-              <a:latin typeface="Gotham HTF Light"/>
-              <a:cs typeface="Gotham HTF Light"/>
-            </a:endParaRPr>
-          </a:p>
-          <a:p>
-            <a:pPr marL="914400" lvl="1" indent="-457200">
-              <a:lnSpc>
-                <a:spcPct val="150000"/>
-              </a:lnSpc>
-              <a:buFont typeface="Wingdings" panose="05000000000000000000" pitchFamily="2" charset="2"/>
-              <a:buChar char="Ø"/>
-            </a:pPr>
-            <a:r>
-              <a:rPr lang="en-US" sz="2000" dirty="0" err="1">
-                <a:solidFill>
-                  <a:srgbClr val="ED265B"/>
-                </a:solidFill>
-                <a:latin typeface="Gotham HTF Light"/>
-                <a:cs typeface="Gotham HTF Light"/>
-              </a:rPr>
-              <a:t>Simulação</a:t>
-            </a:r>
-            <a:r>
-              <a:rPr lang="en-US" sz="2000" dirty="0">
-                <a:solidFill>
-                  <a:srgbClr val="ED265B"/>
-                </a:solidFill>
-                <a:latin typeface="Gotham HTF Light"/>
-                <a:cs typeface="Gotham HTF Light"/>
-              </a:rPr>
-              <a:t> – 5 </a:t>
-            </a:r>
-            <a:r>
-              <a:rPr lang="en-US" sz="2000" dirty="0" err="1">
-                <a:solidFill>
-                  <a:srgbClr val="ED265B"/>
-                </a:solidFill>
-                <a:latin typeface="Gotham HTF Light"/>
-                <a:cs typeface="Gotham HTF Light"/>
-              </a:rPr>
-              <a:t>pontos</a:t>
-            </a:r>
-            <a:r>
-              <a:rPr lang="en-US" sz="2000" dirty="0">
-                <a:solidFill>
-                  <a:srgbClr val="ED265B"/>
-                </a:solidFill>
-                <a:latin typeface="Gotham HTF Light"/>
-                <a:cs typeface="Gotham HTF Light"/>
-              </a:rPr>
-              <a:t>:</a:t>
-            </a:r>
-          </a:p>
-          <a:p>
-            <a:pPr marL="1371600" lvl="2" indent="-457200">
-              <a:lnSpc>
-                <a:spcPct val="150000"/>
-              </a:lnSpc>
-              <a:buFont typeface="Wingdings" panose="05000000000000000000" pitchFamily="2" charset="2"/>
-              <a:buChar char="ü"/>
-            </a:pPr>
-            <a:r>
-              <a:rPr lang="en-US" sz="2000" dirty="0">
-                <a:latin typeface="Gotham HTF Light"/>
-                <a:cs typeface="Gotham HTF Light"/>
-              </a:rPr>
-              <a:t>2 </a:t>
-            </a:r>
-            <a:r>
-              <a:rPr lang="en-US" sz="2000" dirty="0" err="1">
-                <a:latin typeface="Gotham HTF Light"/>
-                <a:cs typeface="Gotham HTF Light"/>
-              </a:rPr>
-              <a:t>pontos</a:t>
-            </a:r>
-            <a:r>
-              <a:rPr lang="en-US" sz="2000" dirty="0">
-                <a:latin typeface="Gotham HTF Light"/>
-                <a:cs typeface="Gotham HTF Light"/>
-              </a:rPr>
-              <a:t> </a:t>
-            </a:r>
-            <a:r>
-              <a:rPr lang="en-US" sz="2000" dirty="0" err="1">
-                <a:latin typeface="Gotham HTF Light"/>
-                <a:cs typeface="Gotham HTF Light"/>
-              </a:rPr>
-              <a:t>pelo</a:t>
-            </a:r>
-            <a:r>
-              <a:rPr lang="en-US" sz="2000" dirty="0">
-                <a:latin typeface="Gotham HTF Light"/>
-                <a:cs typeface="Gotham HTF Light"/>
-              </a:rPr>
-              <a:t> </a:t>
-            </a:r>
-            <a:r>
-              <a:rPr lang="en-US" sz="2000" dirty="0" err="1">
-                <a:latin typeface="Gotham HTF Light"/>
-                <a:cs typeface="Gotham HTF Light"/>
-              </a:rPr>
-              <a:t>projeto</a:t>
-            </a:r>
-            <a:r>
-              <a:rPr lang="en-US" sz="2000" dirty="0">
-                <a:latin typeface="Gotham HTF Light"/>
-                <a:cs typeface="Gotham HTF Light"/>
-              </a:rPr>
-              <a:t> no </a:t>
-            </a:r>
-            <a:r>
-              <a:rPr lang="en-US" sz="2000" dirty="0" err="1">
-                <a:latin typeface="Gotham HTF Light"/>
-                <a:cs typeface="Gotham HTF Light"/>
-              </a:rPr>
-              <a:t>Tinkercad</a:t>
-            </a:r>
-            <a:r>
-              <a:rPr lang="en-US" sz="2000" dirty="0">
-                <a:latin typeface="Gotham HTF Light"/>
-                <a:cs typeface="Gotham HTF Light"/>
-              </a:rPr>
-              <a:t>;</a:t>
-            </a:r>
-          </a:p>
-          <a:p>
-            <a:pPr marL="1371600" lvl="2" indent="-457200">
-              <a:lnSpc>
-                <a:spcPct val="150000"/>
-              </a:lnSpc>
-              <a:buFont typeface="Wingdings" panose="05000000000000000000" pitchFamily="2" charset="2"/>
-              <a:buChar char="ü"/>
-            </a:pPr>
-            <a:r>
-              <a:rPr lang="en-US" sz="2000" dirty="0">
-                <a:latin typeface="Gotham HTF Light"/>
-                <a:cs typeface="Gotham HTF Light"/>
-              </a:rPr>
-              <a:t>2 </a:t>
-            </a:r>
-            <a:r>
-              <a:rPr lang="en-US" sz="2000" dirty="0" err="1">
-                <a:latin typeface="Gotham HTF Light"/>
-                <a:cs typeface="Gotham HTF Light"/>
-              </a:rPr>
-              <a:t>pontos</a:t>
-            </a:r>
-            <a:r>
-              <a:rPr lang="en-US" sz="2000" dirty="0">
-                <a:latin typeface="Gotham HTF Light"/>
-                <a:cs typeface="Gotham HTF Light"/>
-              </a:rPr>
-              <a:t> pela </a:t>
-            </a:r>
-            <a:r>
-              <a:rPr lang="en-US" sz="2000" dirty="0" err="1">
-                <a:latin typeface="Gotham HTF Light"/>
-                <a:cs typeface="Gotham HTF Light"/>
-              </a:rPr>
-              <a:t>clareza</a:t>
-            </a:r>
-            <a:r>
-              <a:rPr lang="en-US" sz="2000" dirty="0">
-                <a:latin typeface="Gotham HTF Light"/>
-                <a:cs typeface="Gotham HTF Light"/>
-              </a:rPr>
-              <a:t> do video </a:t>
-            </a:r>
-            <a:r>
-              <a:rPr lang="en-US" sz="2000" dirty="0" err="1">
-                <a:latin typeface="Gotham HTF Light"/>
-                <a:cs typeface="Gotham HTF Light"/>
-              </a:rPr>
-              <a:t>explicativo</a:t>
-            </a:r>
-            <a:r>
-              <a:rPr lang="en-US" sz="2000" dirty="0">
-                <a:latin typeface="Gotham HTF Light"/>
-                <a:cs typeface="Gotham HTF Light"/>
-              </a:rPr>
-              <a:t>;</a:t>
-            </a:r>
-          </a:p>
-          <a:p>
-            <a:pPr marL="1371600" lvl="2" indent="-457200">
-              <a:lnSpc>
-                <a:spcPct val="150000"/>
-              </a:lnSpc>
-              <a:buFont typeface="Wingdings" panose="05000000000000000000" pitchFamily="2" charset="2"/>
-              <a:buChar char="ü"/>
-            </a:pPr>
-            <a:r>
-              <a:rPr lang="en-US" sz="2000" dirty="0">
-                <a:latin typeface="Gotham HTF Light"/>
-                <a:cs typeface="Gotham HTF Light"/>
-              </a:rPr>
-              <a:t>1 </a:t>
-            </a:r>
-            <a:r>
-              <a:rPr lang="en-US" sz="2000" dirty="0" err="1">
-                <a:latin typeface="Gotham HTF Light"/>
-                <a:cs typeface="Gotham HTF Light"/>
-              </a:rPr>
-              <a:t>ponto</a:t>
-            </a:r>
-            <a:r>
-              <a:rPr lang="en-US" sz="2000" dirty="0">
-                <a:latin typeface="Gotham HTF Light"/>
-                <a:cs typeface="Gotham HTF Light"/>
-              </a:rPr>
-              <a:t> pela </a:t>
-            </a:r>
-            <a:r>
-              <a:rPr lang="en-US" sz="2000" dirty="0" err="1">
-                <a:latin typeface="Gotham HTF Light"/>
-                <a:cs typeface="Gotham HTF Light"/>
-              </a:rPr>
-              <a:t>clareza</a:t>
-            </a:r>
-            <a:r>
-              <a:rPr lang="en-US" sz="2000" dirty="0">
-                <a:latin typeface="Gotham HTF Light"/>
-                <a:cs typeface="Gotham HTF Light"/>
-              </a:rPr>
-              <a:t> do README;</a:t>
-            </a:r>
-          </a:p>
-          <a:p>
-            <a:pPr marL="914400" lvl="1" indent="-457200">
-              <a:lnSpc>
-                <a:spcPct val="150000"/>
-              </a:lnSpc>
-              <a:buFont typeface="Wingdings" panose="05000000000000000000" pitchFamily="2" charset="2"/>
-              <a:buChar char="ü"/>
-            </a:pPr>
-            <a:endParaRPr lang="en-US" sz="2000" dirty="0">
-              <a:latin typeface="Gotham HTF Light"/>
-              <a:cs typeface="Gotham HTF Light"/>
-            </a:endParaRPr>
-          </a:p>
-          <a:p>
-            <a:pPr marL="914400" lvl="1" indent="-457200">
-              <a:lnSpc>
-                <a:spcPct val="150000"/>
-              </a:lnSpc>
-              <a:buFont typeface="Wingdings" panose="05000000000000000000" pitchFamily="2" charset="2"/>
-              <a:buChar char="Ø"/>
-            </a:pPr>
-            <a:r>
-              <a:rPr lang="en-US" sz="2000" dirty="0" err="1">
-                <a:solidFill>
-                  <a:srgbClr val="ED145B"/>
-                </a:solidFill>
-                <a:latin typeface="Gotham HTF Light"/>
-                <a:cs typeface="Gotham HTF Light"/>
-              </a:rPr>
-              <a:t>Hands-ON</a:t>
-            </a:r>
-            <a:r>
-              <a:rPr lang="en-US" sz="2000" dirty="0">
-                <a:solidFill>
-                  <a:srgbClr val="ED145B"/>
-                </a:solidFill>
-                <a:latin typeface="Gotham HTF Light"/>
-                <a:cs typeface="Gotham HTF Light"/>
-              </a:rPr>
-              <a:t> – 5 </a:t>
-            </a:r>
-            <a:r>
-              <a:rPr lang="en-US" sz="2000" dirty="0" err="1">
-                <a:solidFill>
-                  <a:srgbClr val="ED145B"/>
-                </a:solidFill>
-                <a:latin typeface="Gotham HTF Light"/>
-                <a:cs typeface="Gotham HTF Light"/>
-              </a:rPr>
-              <a:t>pontos</a:t>
-            </a:r>
-            <a:r>
-              <a:rPr lang="en-US" sz="2000" dirty="0">
-                <a:solidFill>
-                  <a:srgbClr val="ED145B"/>
-                </a:solidFill>
-                <a:latin typeface="Gotham HTF Light"/>
-                <a:cs typeface="Gotham HTF Light"/>
-              </a:rPr>
-              <a:t>:</a:t>
-            </a:r>
-          </a:p>
-          <a:p>
-            <a:pPr marL="1371600" lvl="2" indent="-457200">
-              <a:lnSpc>
-                <a:spcPct val="150000"/>
-              </a:lnSpc>
-              <a:buFont typeface="Wingdings" panose="05000000000000000000" pitchFamily="2" charset="2"/>
-              <a:buChar char="ü"/>
-            </a:pPr>
-            <a:r>
-              <a:rPr lang="en-US" sz="2000" dirty="0">
-                <a:latin typeface="Gotham HTF Light"/>
-                <a:cs typeface="Gotham HTF Light"/>
-              </a:rPr>
-              <a:t>5 </a:t>
-            </a:r>
-            <a:r>
-              <a:rPr lang="en-US" sz="2000" dirty="0" err="1">
-                <a:latin typeface="Gotham HTF Light"/>
-                <a:cs typeface="Gotham HTF Light"/>
-              </a:rPr>
-              <a:t>pontos</a:t>
-            </a:r>
-            <a:r>
-              <a:rPr lang="en-US" sz="2000" dirty="0">
-                <a:latin typeface="Gotham HTF Light"/>
-                <a:cs typeface="Gotham HTF Light"/>
-              </a:rPr>
-              <a:t> pela </a:t>
-            </a:r>
-            <a:r>
-              <a:rPr lang="en-US" sz="2000" dirty="0" err="1">
-                <a:latin typeface="Gotham HTF Light"/>
-                <a:cs typeface="Gotham HTF Light"/>
-              </a:rPr>
-              <a:t>demonstração</a:t>
-            </a:r>
-            <a:r>
-              <a:rPr lang="en-US" sz="2000" dirty="0">
-                <a:latin typeface="Gotham HTF Light"/>
-                <a:cs typeface="Gotham HTF Light"/>
-              </a:rPr>
-              <a:t> do </a:t>
-            </a:r>
-            <a:r>
-              <a:rPr lang="en-US" sz="2000" dirty="0" err="1">
-                <a:latin typeface="Gotham HTF Light"/>
-                <a:cs typeface="Gotham HTF Light"/>
-              </a:rPr>
-              <a:t>projeto</a:t>
-            </a:r>
-            <a:r>
-              <a:rPr lang="en-US" sz="2000" dirty="0">
-                <a:latin typeface="Gotham HTF Light"/>
-                <a:cs typeface="Gotham HTF Light"/>
-              </a:rPr>
-              <a:t> </a:t>
-            </a:r>
-            <a:r>
-              <a:rPr lang="en-US" sz="2000" dirty="0" err="1">
-                <a:latin typeface="Gotham HTF Light"/>
-                <a:cs typeface="Gotham HTF Light"/>
-              </a:rPr>
-              <a:t>funcionando</a:t>
-            </a:r>
-            <a:r>
-              <a:rPr lang="en-US" sz="2000" dirty="0">
-                <a:latin typeface="Gotham HTF Light"/>
-                <a:cs typeface="Gotham HTF Light"/>
-              </a:rPr>
-              <a:t> e pela </a:t>
-            </a:r>
-            <a:r>
-              <a:rPr lang="en-US" sz="2000" dirty="0" err="1">
-                <a:latin typeface="Gotham HTF Light"/>
-                <a:cs typeface="Gotham HTF Light"/>
-              </a:rPr>
-              <a:t>explicação</a:t>
-            </a:r>
-            <a:r>
-              <a:rPr lang="en-US" sz="2000" dirty="0">
-                <a:latin typeface="Gotham HTF Light"/>
-                <a:cs typeface="Gotham HTF Light"/>
-              </a:rPr>
-              <a:t> da </a:t>
-            </a:r>
-            <a:r>
-              <a:rPr lang="en-US" sz="2000" dirty="0" err="1">
-                <a:latin typeface="Gotham HTF Light"/>
-                <a:cs typeface="Gotham HTF Light"/>
-              </a:rPr>
-              <a:t>implementação</a:t>
-            </a:r>
-            <a:r>
-              <a:rPr lang="en-US" sz="2000" dirty="0">
-                <a:latin typeface="Gotham HTF Light"/>
-                <a:cs typeface="Gotham HTF Light"/>
-              </a:rPr>
-              <a:t>;</a:t>
-            </a:r>
-          </a:p>
-        </p:txBody>
-      </p:sp>
-    </p:spTree>
-    <p:extLst>
-      <p:ext uri="{BB962C8B-B14F-4D97-AF65-F5344CB8AC3E}">
-        <p14:creationId xmlns:p14="http://schemas.microsoft.com/office/powerpoint/2010/main" val="1110119925"/>
-      </p:ext>
-    </p:extLst>
-  </p:cSld>
-  <p:clrMapOvr>
-    <a:masterClrMapping/>
-  </p:clrMapOvr>
-  <mc:AlternateContent xmlns:mc="http://schemas.openxmlformats.org/markup-compatibility/2006" xmlns:p14="http://schemas.microsoft.com/office/powerpoint/2010/main">
-    <mc:Choice Requires="p14">
-      <p:transition spd="med" p14:dur="700">
-        <p:fade/>
-      </p:transition>
-    </mc:Choice>
-    <mc:Fallback xmlns="">
-      <p:transition spd="med">
-        <p:fade/>
-      </p:transition>
-    </mc:Fallback>
-  </mc:AlternateContent>
-</p:sld>
-</file>
-
-<file path=ppt/slides/slide8.xml><?xml version="1.0" encoding="utf-8"?>
-<p:sld xmlns:a="http://schemas.openxmlformats.org/drawingml/2006/main" xmlns:r="http://schemas.openxmlformats.org/officeDocument/2006/relationships" xmlns:p="http://schemas.openxmlformats.org/presentationml/2006/main" show="0">
-  <p:cSld>
-    <p:spTree>
-      <p:nvGrpSpPr>
-        <p:cNvPr id="1" name=""/>
-        <p:cNvGrpSpPr/>
-        <p:nvPr/>
-      </p:nvGrpSpPr>
-      <p:grpSpPr>
-        <a:xfrm>
-          <a:off x="0" y="0"/>
-          <a:ext cx="0" cy="0"/>
-          <a:chOff x="0" y="0"/>
-          <a:chExt cx="0" cy="0"/>
-        </a:xfrm>
-      </p:grpSpPr>
-      <p:sp>
-        <p:nvSpPr>
-          <p:cNvPr id="9" name="TextBox 6">
-            <a:extLst>
-              <a:ext uri="{FF2B5EF4-FFF2-40B4-BE49-F238E27FC236}">
-                <a16:creationId xmlns:a16="http://schemas.microsoft.com/office/drawing/2014/main" id="{225765AD-71F7-DC36-6CE8-E9873BEE1F3F}"/>
-              </a:ext>
-            </a:extLst>
-          </p:cNvPr>
-          <p:cNvSpPr txBox="1"/>
-          <p:nvPr/>
-        </p:nvSpPr>
-        <p:spPr>
-          <a:xfrm>
-            <a:off x="228600" y="133350"/>
-            <a:ext cx="6324600" cy="707886"/>
-          </a:xfrm>
-          <a:prstGeom prst="rect">
-            <a:avLst/>
-          </a:prstGeom>
-          <a:noFill/>
-        </p:spPr>
-        <p:txBody>
-          <a:bodyPr wrap="square" rtlCol="0">
-            <a:spAutoFit/>
-          </a:bodyPr>
-          <a:lstStyle/>
-          <a:p>
-            <a:r>
-              <a:rPr lang="pt-BR" sz="4000" dirty="0">
-                <a:solidFill>
-                  <a:srgbClr val="ED145B"/>
-                </a:solidFill>
-                <a:latin typeface="Gotham HTF" pitchFamily="50" charset="0"/>
-                <a:cs typeface="Gotham HTF Light"/>
-              </a:rPr>
               <a:t>E como faremos isso?</a:t>
             </a:r>
           </a:p>
@@ -10804,7 +10241,7 @@
           <p:nvPr>
             <p:extLst>
               <p:ext uri="{D42A27DB-BD31-4B8C-83A1-F6EECF244321}">
-                <p14:modId xmlns:p14="http://schemas.microsoft.com/office/powerpoint/2010/main" val="1503706971"/>
+                <p14:modId xmlns:p14="http://schemas.microsoft.com/office/powerpoint/2010/main" val="2030114310"/>
               </p:ext>
             </p:extLst>
           </p:nvPr>
@@ -10890,14 +10327,11 @@
                     <a:bodyPr/>
                     <a:lstStyle/>
                     <a:p>
-                      <a:r>
-                        <a:rPr lang="pt-BR" dirty="0">
-                          <a:solidFill>
-                            <a:schemeClr val="bg1"/>
-                          </a:solidFill>
-                        </a:rPr>
-                        <a:t>1ESPX</a:t>
-                      </a:r>
+                      <a:endParaRPr lang="pt-BR" dirty="0">
+                        <a:solidFill>
+                          <a:schemeClr val="bg1"/>
+                        </a:solidFill>
+                      </a:endParaRPr>
                     </a:p>
                   </a:txBody>
                   <a:tcPr>
@@ -10911,14 +10345,11 @@
                     <a:bodyPr/>
                     <a:lstStyle/>
                     <a:p>
-                      <a:r>
-                        <a:rPr lang="pt-BR" dirty="0">
-                          <a:solidFill>
-                            <a:schemeClr val="bg1"/>
-                          </a:solidFill>
-                        </a:rPr>
-                        <a:t>03/04/2023</a:t>
-                      </a:r>
+                      <a:endParaRPr lang="pt-BR" dirty="0">
+                        <a:solidFill>
+                          <a:schemeClr val="bg1"/>
+                        </a:solidFill>
+                      </a:endParaRPr>
                     </a:p>
                   </a:txBody>
                   <a:tcPr>
@@ -10939,14 +10370,11 @@
                     <a:bodyPr/>
                     <a:lstStyle/>
                     <a:p>
-                      <a:r>
-                        <a:rPr lang="pt-BR" dirty="0">
-                          <a:solidFill>
-                            <a:schemeClr val="bg1"/>
-                          </a:solidFill>
-                        </a:rPr>
-                        <a:t>1ESPW</a:t>
-                      </a:r>
+                      <a:endParaRPr lang="pt-BR" dirty="0">
+                        <a:solidFill>
+                          <a:schemeClr val="bg1"/>
+                        </a:solidFill>
+                      </a:endParaRPr>
                     </a:p>
                   </a:txBody>
                   <a:tcPr>
@@ -10960,14 +10388,11 @@
                     <a:bodyPr/>
                     <a:lstStyle/>
                     <a:p>
-                      <a:r>
-                        <a:rPr lang="pt-BR" dirty="0">
-                          <a:solidFill>
-                            <a:schemeClr val="bg1"/>
-                          </a:solidFill>
-                        </a:rPr>
-                        <a:t>04/04/2023</a:t>
-                      </a:r>
+                      <a:endParaRPr lang="pt-BR" dirty="0">
+                        <a:solidFill>
+                          <a:schemeClr val="bg1"/>
+                        </a:solidFill>
+                      </a:endParaRPr>
                     </a:p>
                   </a:txBody>
                   <a:tcPr>
@@ -10988,14 +10413,11 @@
                     <a:bodyPr/>
                     <a:lstStyle/>
                     <a:p>
-                      <a:r>
-                        <a:rPr lang="pt-BR" dirty="0">
-                          <a:solidFill>
-                            <a:schemeClr val="bg1"/>
-                          </a:solidFill>
-                        </a:rPr>
-                        <a:t>1ESPV</a:t>
-                      </a:r>
+                      <a:endParaRPr lang="pt-BR" dirty="0">
+                        <a:solidFill>
+                          <a:schemeClr val="bg1"/>
+                        </a:solidFill>
+                      </a:endParaRPr>
                     </a:p>
                   </a:txBody>
                   <a:tcPr>
@@ -11009,14 +10431,6 @@
                     <a:bodyPr/>
                     <a:lstStyle/>
                     <a:p>
-                      <a:r>
-                        <a:rPr lang="pt-BR">
-                          <a:solidFill>
-                            <a:schemeClr val="bg1"/>
-                          </a:solidFill>
-                        </a:rPr>
-                        <a:t>05/04/2023</a:t>
-                      </a:r>
                       <a:endParaRPr lang="pt-BR" dirty="0">
                         <a:solidFill>
                           <a:schemeClr val="bg1"/>
@@ -11065,7 +10479,7 @@
 </p:sld>
 </file>
 
-<file path=ppt/slides/slide9.xml><?xml version="1.0" encoding="utf-8"?>
+<file path=ppt/slides/slide8.xml><?xml version="1.0" encoding="utf-8"?>
 <p:sld xmlns:a="http://schemas.openxmlformats.org/drawingml/2006/main" xmlns:r="http://schemas.openxmlformats.org/officeDocument/2006/relationships" xmlns:p="http://schemas.openxmlformats.org/presentationml/2006/main">
   <p:cSld>
     <p:spTree>
@@ -11256,7 +10670,7 @@
             <a:fld id="{3F951EF7-2A75-44A0-8045-6A6595E5FF16}" type="slidenum">
               <a:rPr lang="pt-BR" smtClean="0"/>
               <a:pPr/>
-              <a:t>9</a:t>
+              <a:t>8</a:t>
             </a:fld>
             <a:endParaRPr lang="pt-BR" dirty="0"/>
           </a:p>
